--- a/Инструкция по настройке и связыванию RaspberryPI.pptx
+++ b/Инструкция по настройке и связыванию RaspberryPI.pptx
@@ -18,13 +18,12 @@
     <p:sldId id="267" r:id="rId12"/>
     <p:sldId id="268" r:id="rId13"/>
     <p:sldId id="269" r:id="rId14"/>
-    <p:sldId id="270" r:id="rId15"/>
-    <p:sldId id="271" r:id="rId16"/>
-    <p:sldId id="272" r:id="rId17"/>
-    <p:sldId id="273" r:id="rId18"/>
-    <p:sldId id="274" r:id="rId19"/>
-    <p:sldId id="275" r:id="rId20"/>
-    <p:sldId id="260" r:id="rId21"/>
+    <p:sldId id="271" r:id="rId15"/>
+    <p:sldId id="272" r:id="rId16"/>
+    <p:sldId id="273" r:id="rId17"/>
+    <p:sldId id="274" r:id="rId18"/>
+    <p:sldId id="275" r:id="rId19"/>
+    <p:sldId id="260" r:id="rId20"/>
   </p:sldIdLst>
   <p:sldSz cx="9144000" cy="6858000" type="screen4x3"/>
   <p:notesSz cx="6858000" cy="9144000"/>
@@ -307,7 +306,8 @@
           <a:p>
             <a:fld id="{BADC7417-EAE3-4D01-9D28-EBC1FCD98ADB}" type="datetimeFigureOut">
               <a:rPr lang="ru-RU" smtClean="0"/>
-              <a:t>15.12.2025</a:t>
+              <a:pPr/>
+              <a:t>04.02.2026</a:t>
             </a:fld>
             <a:endParaRPr lang="ru-RU"/>
           </a:p>
@@ -349,6 +349,7 @@
           <a:p>
             <a:fld id="{4941755A-EEF2-4C3A-9314-1D27A85BFFE9}" type="slidenum">
               <a:rPr lang="ru-RU" smtClean="0"/>
+              <a:pPr/>
               <a:t>‹#›</a:t>
             </a:fld>
             <a:endParaRPr lang="ru-RU"/>
@@ -472,7 +473,8 @@
           <a:p>
             <a:fld id="{BADC7417-EAE3-4D01-9D28-EBC1FCD98ADB}" type="datetimeFigureOut">
               <a:rPr lang="ru-RU" smtClean="0"/>
-              <a:t>15.12.2025</a:t>
+              <a:pPr/>
+              <a:t>04.02.2026</a:t>
             </a:fld>
             <a:endParaRPr lang="ru-RU"/>
           </a:p>
@@ -514,6 +516,7 @@
           <a:p>
             <a:fld id="{4941755A-EEF2-4C3A-9314-1D27A85BFFE9}" type="slidenum">
               <a:rPr lang="ru-RU" smtClean="0"/>
+              <a:pPr/>
               <a:t>‹#›</a:t>
             </a:fld>
             <a:endParaRPr lang="ru-RU"/>
@@ -647,7 +650,8 @@
           <a:p>
             <a:fld id="{BADC7417-EAE3-4D01-9D28-EBC1FCD98ADB}" type="datetimeFigureOut">
               <a:rPr lang="ru-RU" smtClean="0"/>
-              <a:t>15.12.2025</a:t>
+              <a:pPr/>
+              <a:t>04.02.2026</a:t>
             </a:fld>
             <a:endParaRPr lang="ru-RU"/>
           </a:p>
@@ -689,6 +693,7 @@
           <a:p>
             <a:fld id="{4941755A-EEF2-4C3A-9314-1D27A85BFFE9}" type="slidenum">
               <a:rPr lang="ru-RU" smtClean="0"/>
+              <a:pPr/>
               <a:t>‹#›</a:t>
             </a:fld>
             <a:endParaRPr lang="ru-RU"/>
@@ -812,7 +817,8 @@
           <a:p>
             <a:fld id="{BADC7417-EAE3-4D01-9D28-EBC1FCD98ADB}" type="datetimeFigureOut">
               <a:rPr lang="ru-RU" smtClean="0"/>
-              <a:t>15.12.2025</a:t>
+              <a:pPr/>
+              <a:t>04.02.2026</a:t>
             </a:fld>
             <a:endParaRPr lang="ru-RU"/>
           </a:p>
@@ -854,6 +860,7 @@
           <a:p>
             <a:fld id="{4941755A-EEF2-4C3A-9314-1D27A85BFFE9}" type="slidenum">
               <a:rPr lang="ru-RU" smtClean="0"/>
+              <a:pPr/>
               <a:t>‹#›</a:t>
             </a:fld>
             <a:endParaRPr lang="ru-RU"/>
@@ -1053,7 +1060,8 @@
           <a:p>
             <a:fld id="{BADC7417-EAE3-4D01-9D28-EBC1FCD98ADB}" type="datetimeFigureOut">
               <a:rPr lang="ru-RU" smtClean="0"/>
-              <a:t>15.12.2025</a:t>
+              <a:pPr/>
+              <a:t>04.02.2026</a:t>
             </a:fld>
             <a:endParaRPr lang="ru-RU"/>
           </a:p>
@@ -1095,6 +1103,7 @@
           <a:p>
             <a:fld id="{4941755A-EEF2-4C3A-9314-1D27A85BFFE9}" type="slidenum">
               <a:rPr lang="ru-RU" smtClean="0"/>
+              <a:pPr/>
               <a:t>‹#›</a:t>
             </a:fld>
             <a:endParaRPr lang="ru-RU"/>
@@ -1336,7 +1345,8 @@
           <a:p>
             <a:fld id="{BADC7417-EAE3-4D01-9D28-EBC1FCD98ADB}" type="datetimeFigureOut">
               <a:rPr lang="ru-RU" smtClean="0"/>
-              <a:t>15.12.2025</a:t>
+              <a:pPr/>
+              <a:t>04.02.2026</a:t>
             </a:fld>
             <a:endParaRPr lang="ru-RU"/>
           </a:p>
@@ -1378,6 +1388,7 @@
           <a:p>
             <a:fld id="{4941755A-EEF2-4C3A-9314-1D27A85BFFE9}" type="slidenum">
               <a:rPr lang="ru-RU" smtClean="0"/>
+              <a:pPr/>
               <a:t>‹#›</a:t>
             </a:fld>
             <a:endParaRPr lang="ru-RU"/>
@@ -1753,7 +1764,8 @@
           <a:p>
             <a:fld id="{BADC7417-EAE3-4D01-9D28-EBC1FCD98ADB}" type="datetimeFigureOut">
               <a:rPr lang="ru-RU" smtClean="0"/>
-              <a:t>15.12.2025</a:t>
+              <a:pPr/>
+              <a:t>04.02.2026</a:t>
             </a:fld>
             <a:endParaRPr lang="ru-RU"/>
           </a:p>
@@ -1795,6 +1807,7 @@
           <a:p>
             <a:fld id="{4941755A-EEF2-4C3A-9314-1D27A85BFFE9}" type="slidenum">
               <a:rPr lang="ru-RU" smtClean="0"/>
+              <a:pPr/>
               <a:t>‹#›</a:t>
             </a:fld>
             <a:endParaRPr lang="ru-RU"/>
@@ -1866,7 +1879,8 @@
           <a:p>
             <a:fld id="{BADC7417-EAE3-4D01-9D28-EBC1FCD98ADB}" type="datetimeFigureOut">
               <a:rPr lang="ru-RU" smtClean="0"/>
-              <a:t>15.12.2025</a:t>
+              <a:pPr/>
+              <a:t>04.02.2026</a:t>
             </a:fld>
             <a:endParaRPr lang="ru-RU"/>
           </a:p>
@@ -1908,6 +1922,7 @@
           <a:p>
             <a:fld id="{4941755A-EEF2-4C3A-9314-1D27A85BFFE9}" type="slidenum">
               <a:rPr lang="ru-RU" smtClean="0"/>
+              <a:pPr/>
               <a:t>‹#›</a:t>
             </a:fld>
             <a:endParaRPr lang="ru-RU"/>
@@ -1956,7 +1971,8 @@
           <a:p>
             <a:fld id="{BADC7417-EAE3-4D01-9D28-EBC1FCD98ADB}" type="datetimeFigureOut">
               <a:rPr lang="ru-RU" smtClean="0"/>
-              <a:t>15.12.2025</a:t>
+              <a:pPr/>
+              <a:t>04.02.2026</a:t>
             </a:fld>
             <a:endParaRPr lang="ru-RU"/>
           </a:p>
@@ -1998,6 +2014,7 @@
           <a:p>
             <a:fld id="{4941755A-EEF2-4C3A-9314-1D27A85BFFE9}" type="slidenum">
               <a:rPr lang="ru-RU" smtClean="0"/>
+              <a:pPr/>
               <a:t>‹#›</a:t>
             </a:fld>
             <a:endParaRPr lang="ru-RU"/>
@@ -2228,7 +2245,8 @@
           <a:p>
             <a:fld id="{BADC7417-EAE3-4D01-9D28-EBC1FCD98ADB}" type="datetimeFigureOut">
               <a:rPr lang="ru-RU" smtClean="0"/>
-              <a:t>15.12.2025</a:t>
+              <a:pPr/>
+              <a:t>04.02.2026</a:t>
             </a:fld>
             <a:endParaRPr lang="ru-RU"/>
           </a:p>
@@ -2270,6 +2288,7 @@
           <a:p>
             <a:fld id="{4941755A-EEF2-4C3A-9314-1D27A85BFFE9}" type="slidenum">
               <a:rPr lang="ru-RU" smtClean="0"/>
+              <a:pPr/>
               <a:t>‹#›</a:t>
             </a:fld>
             <a:endParaRPr lang="ru-RU"/>
@@ -2476,7 +2495,8 @@
           <a:p>
             <a:fld id="{BADC7417-EAE3-4D01-9D28-EBC1FCD98ADB}" type="datetimeFigureOut">
               <a:rPr lang="ru-RU" smtClean="0"/>
-              <a:t>15.12.2025</a:t>
+              <a:pPr/>
+              <a:t>04.02.2026</a:t>
             </a:fld>
             <a:endParaRPr lang="ru-RU"/>
           </a:p>
@@ -2518,6 +2538,7 @@
           <a:p>
             <a:fld id="{4941755A-EEF2-4C3A-9314-1D27A85BFFE9}" type="slidenum">
               <a:rPr lang="ru-RU" smtClean="0"/>
+              <a:pPr/>
               <a:t>‹#›</a:t>
             </a:fld>
             <a:endParaRPr lang="ru-RU"/>
@@ -2684,7 +2705,8 @@
           <a:p>
             <a:fld id="{BADC7417-EAE3-4D01-9D28-EBC1FCD98ADB}" type="datetimeFigureOut">
               <a:rPr lang="ru-RU" smtClean="0"/>
-              <a:t>15.12.2025</a:t>
+              <a:pPr/>
+              <a:t>04.02.2026</a:t>
             </a:fld>
             <a:endParaRPr lang="ru-RU"/>
           </a:p>
@@ -2762,6 +2784,7 @@
           <a:p>
             <a:fld id="{4941755A-EEF2-4C3A-9314-1D27A85BFFE9}" type="slidenum">
               <a:rPr lang="ru-RU" smtClean="0"/>
+              <a:pPr/>
               <a:t>‹#›</a:t>
             </a:fld>
             <a:endParaRPr lang="ru-RU"/>
@@ -3130,7 +3153,18 @@
             </a:r>
             <a:r>
               <a:rPr lang="en-US" sz="2400" dirty="0" smtClean="0"/>
-              <a:t> </a:t>
+              <a:t> Raspberry </a:t>
+            </a:r>
+            <a:r>
+              <a:rPr lang="ru-RU" sz="2400" dirty="0" smtClean="0"/>
+              <a:t>должны быть в настроены – необходимо загрузить образ и настроить конфигурационные файлы)</a:t>
+            </a:r>
+          </a:p>
+          <a:p>
+            <a:pPr algn="just"/>
+            <a:r>
+              <a:rPr lang="ru-RU" sz="2400" dirty="0" smtClean="0"/>
+              <a:t>2) </a:t>
             </a:r>
             <a:r>
               <a:rPr lang="en-US" sz="2400" dirty="0" smtClean="0"/>
@@ -3138,26 +3172,7 @@
             </a:r>
             <a:r>
               <a:rPr lang="ru-RU" sz="2400" dirty="0" smtClean="0"/>
-              <a:t>должны быть в настроены – необходимо загрузить образ и настроить конфигурационные файлы)</a:t>
-            </a:r>
-          </a:p>
-          <a:p>
-            <a:pPr algn="just"/>
-            <a:r>
-              <a:rPr lang="ru-RU" sz="2400" dirty="0" smtClean="0"/>
-              <a:t>2) </a:t>
-            </a:r>
-            <a:r>
-              <a:rPr lang="en-US" sz="2400" dirty="0" smtClean="0"/>
-              <a:t>Raspberry </a:t>
-            </a:r>
-            <a:r>
-              <a:rPr lang="ru-RU" sz="2400" dirty="0" smtClean="0"/>
-              <a:t>должны быть связаны – они должны находиться </a:t>
-            </a:r>
-            <a:r>
-              <a:rPr lang="ru-RU" sz="2400" dirty="0" smtClean="0"/>
-              <a:t>в одной </a:t>
+              <a:t>должны быть связаны – они должны находиться в одной </a:t>
             </a:r>
             <a:r>
               <a:rPr lang="en-US" sz="2400" dirty="0"/>
@@ -4527,23 +4542,15 @@
             </a:r>
             <a:r>
               <a:rPr lang="en-US" dirty="0" smtClean="0"/>
-              <a:t>=</a:t>
+              <a:t>=&lt;</a:t>
+            </a:r>
+            <a:r>
+              <a:rPr lang="ru-RU" dirty="0" smtClean="0"/>
+              <a:t>СВОЙ </a:t>
             </a:r>
             <a:r>
               <a:rPr lang="en-US" dirty="0" smtClean="0"/>
-              <a:t>&lt;</a:t>
-            </a:r>
-            <a:r>
-              <a:rPr lang="ru-RU" dirty="0" smtClean="0"/>
-              <a:t>СВОЙ </a:t>
-            </a:r>
-            <a:r>
-              <a:rPr lang="en-US" dirty="0" smtClean="0"/>
-              <a:t>IP</a:t>
-            </a:r>
-            <a:r>
-              <a:rPr lang="en-US" dirty="0" smtClean="0"/>
-              <a:t>&gt;</a:t>
+              <a:t>IP&gt;</a:t>
             </a:r>
             <a:endParaRPr lang="ru-RU" dirty="0" smtClean="0"/>
           </a:p>
@@ -5005,14 +5012,14 @@
       </p:sp>
       <p:sp>
         <p:nvSpPr>
-          <p:cNvPr id="11" name="TextBox 10"/>
+          <p:cNvPr id="10" name="TextBox 9"/>
           <p:cNvSpPr txBox="1"/>
           <p:nvPr/>
         </p:nvSpPr>
         <p:spPr>
           <a:xfrm>
-            <a:off x="714348" y="2714620"/>
-            <a:ext cx="7643866" cy="1477328"/>
+            <a:off x="1071538" y="2143116"/>
+            <a:ext cx="3885551" cy="369332"/>
           </a:xfrm>
           <a:prstGeom prst="rect">
             <a:avLst/>
@@ -5020,125 +5027,29 @@
           <a:noFill/>
         </p:spPr>
         <p:txBody>
-          <a:bodyPr wrap="square" rtlCol="0">
+          <a:bodyPr wrap="none" rtlCol="0">
             <a:spAutoFit/>
           </a:bodyPr>
           <a:lstStyle/>
           <a:p>
             <a:r>
               <a:rPr lang="ru-RU" dirty="0" smtClean="0"/>
-              <a:t>Нам важны две команды</a:t>
-            </a:r>
-            <a:r>
-              <a:rPr lang="en-US" dirty="0" smtClean="0"/>
-              <a:t>:</a:t>
-            </a:r>
-            <a:endParaRPr lang="ru-RU" dirty="0" smtClean="0"/>
-          </a:p>
-          <a:p>
-            <a:r>
-              <a:rPr lang="ru-RU" dirty="0" smtClean="0"/>
-              <a:t>1) установить </a:t>
-            </a:r>
-            <a:r>
-              <a:rPr lang="en-US" dirty="0" smtClean="0"/>
-              <a:t>IP</a:t>
-            </a:r>
-            <a:r>
-              <a:rPr lang="ru-RU" dirty="0" smtClean="0"/>
-              <a:t> мастера</a:t>
-            </a:r>
-            <a:r>
-              <a:rPr lang="en-US" dirty="0" smtClean="0"/>
-              <a:t>:</a:t>
-            </a:r>
-            <a:endParaRPr lang="ru-RU" dirty="0" smtClean="0"/>
-          </a:p>
-          <a:p>
-            <a:r>
-              <a:rPr lang="en-US" dirty="0"/>
-              <a:t>export</a:t>
-            </a:r>
-            <a:r>
-              <a:rPr lang="en-US" dirty="0" smtClean="0"/>
-              <a:t> </a:t>
-            </a:r>
-            <a:r>
-              <a:rPr lang="en-US" dirty="0"/>
-              <a:t>ROS_MASTER_URI=</a:t>
-            </a:r>
-            <a:r>
-              <a:rPr lang="en-US" dirty="0" smtClean="0"/>
-              <a:t>http://&lt;IP</a:t>
-            </a:r>
-            <a:r>
-              <a:rPr lang="ru-RU" dirty="0" smtClean="0"/>
-              <a:t> МАСТЕРА</a:t>
-            </a:r>
-            <a:r>
-              <a:rPr lang="en-US" dirty="0" smtClean="0"/>
-              <a:t>&gt;:11311</a:t>
-            </a:r>
-            <a:endParaRPr lang="ru-RU" dirty="0" smtClean="0"/>
-          </a:p>
-          <a:p>
-            <a:r>
-              <a:rPr lang="en-US" dirty="0" smtClean="0"/>
-              <a:t>2) </a:t>
-            </a:r>
-            <a:r>
-              <a:rPr lang="ru-RU" dirty="0" smtClean="0"/>
-              <a:t>установить свой </a:t>
-            </a:r>
-            <a:r>
-              <a:rPr lang="en-US" dirty="0" smtClean="0"/>
-              <a:t>IP</a:t>
-            </a:r>
-            <a:endParaRPr lang="ru-RU" dirty="0" smtClean="0"/>
-          </a:p>
-          <a:p>
-            <a:r>
-              <a:rPr lang="en-US" dirty="0" smtClean="0"/>
-              <a:t>export </a:t>
-            </a:r>
-            <a:r>
-              <a:rPr lang="en-US" dirty="0"/>
-              <a:t>ROS_IP</a:t>
-            </a:r>
-            <a:r>
-              <a:rPr lang="en-US" dirty="0" smtClean="0"/>
-              <a:t>=</a:t>
-            </a:r>
-            <a:r>
-              <a:rPr lang="en-US" dirty="0" smtClean="0"/>
-              <a:t>&lt;</a:t>
-            </a:r>
-            <a:r>
-              <a:rPr lang="ru-RU" dirty="0" smtClean="0"/>
-              <a:t>СВОЙ </a:t>
-            </a:r>
-            <a:r>
-              <a:rPr lang="en-US" dirty="0" smtClean="0"/>
-              <a:t>IP</a:t>
-            </a:r>
-            <a:r>
-              <a:rPr lang="en-US" dirty="0" smtClean="0"/>
-              <a:t>&gt;</a:t>
-            </a:r>
-            <a:endParaRPr lang="ru-RU" dirty="0" smtClean="0"/>
-          </a:p>
-        </p:txBody>
-      </p:sp>
-      <p:sp>
-        <p:nvSpPr>
-          <p:cNvPr id="6" name="TextBox 5"/>
+              <a:t>Временный (до первой перезагрузки)</a:t>
+            </a:r>
+            <a:endParaRPr lang="ru-RU" dirty="0"/>
+          </a:p>
+        </p:txBody>
+      </p:sp>
+      <p:sp>
+        <p:nvSpPr>
+          <p:cNvPr id="15" name="TextBox 14"/>
           <p:cNvSpPr txBox="1"/>
           <p:nvPr/>
         </p:nvSpPr>
         <p:spPr>
           <a:xfrm>
-            <a:off x="714348" y="1928802"/>
-            <a:ext cx="7320274" cy="646331"/>
+            <a:off x="857224" y="2571744"/>
+            <a:ext cx="6957930" cy="2585323"/>
           </a:xfrm>
           <a:prstGeom prst="rect">
             <a:avLst/>
@@ -5153,222 +5064,257 @@
           <a:p>
             <a:r>
               <a:rPr lang="ru-RU" dirty="0" smtClean="0"/>
-              <a:t>Сейчас надо определиться кто будет подавать данные, а кто принимать.</a:t>
-            </a:r>
-          </a:p>
-          <a:p>
+              <a:t>подставляем свои </a:t>
+            </a:r>
+            <a:r>
+              <a:rPr lang="en-US" dirty="0" smtClean="0"/>
+              <a:t>IP</a:t>
+            </a:r>
             <a:r>
               <a:rPr lang="ru-RU" dirty="0"/>
-              <a:t>Д</a:t>
-            </a:r>
-            <a:r>
-              <a:rPr lang="ru-RU" dirty="0" smtClean="0"/>
-              <a:t>алее подающий – мастер, принимающий - клиент</a:t>
-            </a:r>
+              <a:t> </a:t>
+            </a:r>
+            <a:r>
+              <a:rPr lang="ru-RU" dirty="0" smtClean="0"/>
+              <a:t>и вызываем по 2 команды на каждом </a:t>
+            </a:r>
+            <a:r>
+              <a:rPr lang="en-US" dirty="0" smtClean="0"/>
+              <a:t>Raspberry</a:t>
+            </a:r>
+          </a:p>
+          <a:p>
+            <a:r>
+              <a:rPr lang="ru-RU" b="1" u="sng" dirty="0" smtClean="0"/>
+              <a:t>например </a:t>
+            </a:r>
+          </a:p>
+          <a:p>
+            <a:r>
+              <a:rPr lang="ru-RU" dirty="0" smtClean="0">
+                <a:solidFill>
+                  <a:schemeClr val="accent2">
+                    <a:lumMod val="75000"/>
+                  </a:schemeClr>
+                </a:solidFill>
+              </a:rPr>
+              <a:t>для мастера</a:t>
+            </a:r>
+            <a:r>
+              <a:rPr lang="en-US" dirty="0" smtClean="0">
+                <a:solidFill>
+                  <a:schemeClr val="accent2">
+                    <a:lumMod val="75000"/>
+                  </a:schemeClr>
+                </a:solidFill>
+              </a:rPr>
+              <a:t>:</a:t>
+            </a:r>
+            <a:endParaRPr lang="ru-RU" dirty="0" smtClean="0">
+              <a:solidFill>
+                <a:schemeClr val="accent2">
+                  <a:lumMod val="75000"/>
+                </a:schemeClr>
+              </a:solidFill>
+            </a:endParaRPr>
+          </a:p>
+          <a:p>
+            <a:r>
+              <a:rPr lang="en-US" dirty="0"/>
+              <a:t>export</a:t>
+            </a:r>
+            <a:r>
+              <a:rPr lang="en-US" dirty="0" smtClean="0"/>
+              <a:t> </a:t>
+            </a:r>
+            <a:r>
+              <a:rPr lang="en-US" dirty="0"/>
+              <a:t>ROS_MASTER_URI=</a:t>
+            </a:r>
+            <a:r>
+              <a:rPr lang="en-US" dirty="0" smtClean="0"/>
+              <a:t>http://192.168.31.79:11311 </a:t>
+            </a:r>
+            <a:endParaRPr lang="ru-RU" dirty="0" smtClean="0"/>
+          </a:p>
+          <a:p>
+            <a:r>
+              <a:rPr lang="en-US" dirty="0" smtClean="0"/>
+              <a:t>export ROS_IP=192.168.31.79</a:t>
+            </a:r>
+            <a:endParaRPr lang="ru-RU" dirty="0" smtClean="0"/>
+          </a:p>
+          <a:p>
+            <a:r>
+              <a:rPr lang="ru-RU" dirty="0" smtClean="0">
+                <a:solidFill>
+                  <a:schemeClr val="tx2">
+                    <a:lumMod val="75000"/>
+                  </a:schemeClr>
+                </a:solidFill>
+              </a:rPr>
+              <a:t>для клиента</a:t>
+            </a:r>
+            <a:r>
+              <a:rPr lang="en-US" dirty="0" smtClean="0">
+                <a:solidFill>
+                  <a:schemeClr val="tx2">
+                    <a:lumMod val="75000"/>
+                  </a:schemeClr>
+                </a:solidFill>
+              </a:rPr>
+              <a:t>:</a:t>
+            </a:r>
+            <a:endParaRPr lang="ru-RU" dirty="0" smtClean="0">
+              <a:solidFill>
+                <a:schemeClr val="tx2">
+                  <a:lumMod val="75000"/>
+                </a:schemeClr>
+              </a:solidFill>
+            </a:endParaRPr>
+          </a:p>
+          <a:p>
+            <a:r>
+              <a:rPr lang="en-US" dirty="0" smtClean="0"/>
+              <a:t>export ROS_MASTER_URI=http://192.168.31.79:11311 </a:t>
+            </a:r>
+            <a:endParaRPr lang="ru-RU" dirty="0" smtClean="0"/>
+          </a:p>
+          <a:p>
+            <a:r>
+              <a:rPr lang="en-US" dirty="0" smtClean="0"/>
+              <a:t>export ROS_IP=192.168.31.</a:t>
+            </a:r>
+            <a:r>
+              <a:rPr lang="ru-RU" dirty="0" smtClean="0"/>
+              <a:t>197</a:t>
+            </a:r>
+          </a:p>
+          <a:p>
             <a:endParaRPr lang="ru-RU" dirty="0"/>
           </a:p>
         </p:txBody>
       </p:sp>
-      <p:sp>
-        <p:nvSpPr>
-          <p:cNvPr id="8" name="TextBox 7"/>
-          <p:cNvSpPr txBox="1"/>
+      <p:cxnSp>
+        <p:nvCxnSpPr>
+          <p:cNvPr id="17" name="Прямая соединительная линия 16"/>
+          <p:cNvCxnSpPr/>
           <p:nvPr/>
-        </p:nvSpPr>
+        </p:nvCxnSpPr>
         <p:spPr>
           <a:xfrm>
-            <a:off x="4071934" y="3929066"/>
-            <a:ext cx="5214974" cy="523220"/>
-          </a:xfrm>
-          <a:prstGeom prst="rect">
+            <a:off x="4000496" y="3714752"/>
+            <a:ext cx="2071702" cy="1588"/>
+          </a:xfrm>
+          <a:prstGeom prst="line">
             <a:avLst/>
           </a:prstGeom>
-          <a:noFill/>
-        </p:spPr>
-        <p:txBody>
-          <a:bodyPr wrap="square" rtlCol="0">
-            <a:spAutoFit/>
-          </a:bodyPr>
-          <a:lstStyle/>
-          <a:p>
-            <a:r>
-              <a:rPr lang="ru-RU" sz="1400" i="1" dirty="0" smtClean="0"/>
-              <a:t>если команды выполняются на терминале мастера, то все равно берём обе команды и ставим там и там одинаковый </a:t>
-            </a:r>
-            <a:r>
-              <a:rPr lang="en-US" sz="1400" i="1" dirty="0" smtClean="0"/>
-              <a:t>IP</a:t>
-            </a:r>
-            <a:endParaRPr lang="ru-RU" sz="1400" i="1" dirty="0"/>
-          </a:p>
-        </p:txBody>
-      </p:sp>
-      <p:sp>
-        <p:nvSpPr>
-          <p:cNvPr id="9" name="TextBox 8"/>
-          <p:cNvSpPr txBox="1"/>
+        </p:spPr>
+        <p:style>
+          <a:lnRef idx="2">
+            <a:schemeClr val="accent2"/>
+          </a:lnRef>
+          <a:fillRef idx="0">
+            <a:schemeClr val="accent2"/>
+          </a:fillRef>
+          <a:effectRef idx="1">
+            <a:schemeClr val="accent2"/>
+          </a:effectRef>
+          <a:fontRef idx="minor">
+            <a:schemeClr val="tx1"/>
+          </a:fontRef>
+        </p:style>
+      </p:cxnSp>
+      <p:cxnSp>
+        <p:nvCxnSpPr>
+          <p:cNvPr id="20" name="Прямая соединительная линия 19"/>
+          <p:cNvCxnSpPr/>
           <p:nvPr/>
-        </p:nvSpPr>
+        </p:nvCxnSpPr>
         <p:spPr>
           <a:xfrm>
-            <a:off x="3643306" y="4857760"/>
-            <a:ext cx="2149948" cy="369332"/>
-          </a:xfrm>
-          <a:prstGeom prst="rect">
+            <a:off x="2428860" y="4000504"/>
+            <a:ext cx="1214446" cy="1588"/>
+          </a:xfrm>
+          <a:prstGeom prst="line">
             <a:avLst/>
           </a:prstGeom>
-          <a:noFill/>
-        </p:spPr>
-        <p:txBody>
-          <a:bodyPr wrap="none" rtlCol="0">
-            <a:spAutoFit/>
-          </a:bodyPr>
-          <a:lstStyle/>
-          <a:p>
-            <a:r>
-              <a:rPr lang="ru-RU" dirty="0" smtClean="0"/>
-              <a:t>Далее два варианта</a:t>
-            </a:r>
-            <a:endParaRPr lang="ru-RU" dirty="0"/>
-          </a:p>
-        </p:txBody>
-      </p:sp>
-      <p:sp>
-        <p:nvSpPr>
-          <p:cNvPr id="10" name="TextBox 9"/>
-          <p:cNvSpPr txBox="1"/>
+        </p:spPr>
+        <p:style>
+          <a:lnRef idx="2">
+            <a:schemeClr val="accent2"/>
+          </a:lnRef>
+          <a:fillRef idx="0">
+            <a:schemeClr val="accent2"/>
+          </a:fillRef>
+          <a:effectRef idx="1">
+            <a:schemeClr val="accent2"/>
+          </a:effectRef>
+          <a:fontRef idx="minor">
+            <a:schemeClr val="tx1"/>
+          </a:fontRef>
+        </p:style>
+      </p:cxnSp>
+      <p:cxnSp>
+        <p:nvCxnSpPr>
+          <p:cNvPr id="24" name="Прямая соединительная линия 23"/>
+          <p:cNvCxnSpPr/>
           <p:nvPr/>
-        </p:nvSpPr>
+        </p:nvCxnSpPr>
         <p:spPr>
           <a:xfrm>
-            <a:off x="785786" y="5357826"/>
-            <a:ext cx="3885551" cy="369332"/>
-          </a:xfrm>
-          <a:prstGeom prst="rect">
+            <a:off x="4000496" y="4572008"/>
+            <a:ext cx="2071702" cy="1588"/>
+          </a:xfrm>
+          <a:prstGeom prst="line">
             <a:avLst/>
           </a:prstGeom>
-          <a:noFill/>
-        </p:spPr>
-        <p:txBody>
-          <a:bodyPr wrap="none" rtlCol="0">
-            <a:spAutoFit/>
-          </a:bodyPr>
-          <a:lstStyle/>
-          <a:p>
-            <a:r>
-              <a:rPr lang="ru-RU" dirty="0" smtClean="0">
-                <a:solidFill>
-                  <a:srgbClr val="800000"/>
-                </a:solidFill>
-              </a:rPr>
-              <a:t>Временный (до первой перезагрузки)</a:t>
-            </a:r>
-            <a:endParaRPr lang="ru-RU" dirty="0">
-              <a:solidFill>
-                <a:srgbClr val="800000"/>
-              </a:solidFill>
-            </a:endParaRPr>
-          </a:p>
-        </p:txBody>
-      </p:sp>
-      <p:sp>
-        <p:nvSpPr>
-          <p:cNvPr id="12" name="TextBox 11"/>
-          <p:cNvSpPr txBox="1"/>
+        </p:spPr>
+        <p:style>
+          <a:lnRef idx="2">
+            <a:schemeClr val="accent2"/>
+          </a:lnRef>
+          <a:fillRef idx="0">
+            <a:schemeClr val="accent2"/>
+          </a:fillRef>
+          <a:effectRef idx="1">
+            <a:schemeClr val="accent2"/>
+          </a:effectRef>
+          <a:fontRef idx="minor">
+            <a:schemeClr val="tx1"/>
+          </a:fontRef>
+        </p:style>
+      </p:cxnSp>
+      <p:cxnSp>
+        <p:nvCxnSpPr>
+          <p:cNvPr id="25" name="Прямая соединительная линия 24"/>
+          <p:cNvCxnSpPr/>
           <p:nvPr/>
-        </p:nvSpPr>
+        </p:nvCxnSpPr>
         <p:spPr>
           <a:xfrm>
-            <a:off x="6143636" y="5357826"/>
-            <a:ext cx="1392369" cy="369332"/>
-          </a:xfrm>
-          <a:prstGeom prst="rect">
+            <a:off x="2357422" y="4786322"/>
+            <a:ext cx="1500198" cy="1588"/>
+          </a:xfrm>
+          <a:prstGeom prst="line">
             <a:avLst/>
           </a:prstGeom>
-          <a:noFill/>
-        </p:spPr>
-        <p:txBody>
-          <a:bodyPr wrap="none" rtlCol="0">
-            <a:spAutoFit/>
-          </a:bodyPr>
-          <a:lstStyle/>
-          <a:p>
-            <a:r>
-              <a:rPr lang="ru-RU" dirty="0" smtClean="0">
-                <a:solidFill>
-                  <a:srgbClr val="000066"/>
-                </a:solidFill>
-              </a:rPr>
-              <a:t>Постоянный</a:t>
-            </a:r>
-            <a:endParaRPr lang="ru-RU" dirty="0">
-              <a:solidFill>
-                <a:srgbClr val="000066"/>
-              </a:solidFill>
-            </a:endParaRPr>
-          </a:p>
-        </p:txBody>
-      </p:sp>
-      <p:sp>
-        <p:nvSpPr>
-          <p:cNvPr id="13" name="TextBox 12"/>
-          <p:cNvSpPr txBox="1"/>
-          <p:nvPr/>
-        </p:nvSpPr>
-        <p:spPr>
-          <a:xfrm>
-            <a:off x="1071538" y="5786454"/>
-            <a:ext cx="3008965" cy="369332"/>
-          </a:xfrm>
-          <a:prstGeom prst="rect">
-            <a:avLst/>
-          </a:prstGeom>
-          <a:noFill/>
-        </p:spPr>
-        <p:txBody>
-          <a:bodyPr wrap="none" rtlCol="0">
-            <a:spAutoFit/>
-          </a:bodyPr>
-          <a:lstStyle/>
-          <a:p>
-            <a:r>
-              <a:rPr lang="ru-RU" dirty="0" smtClean="0"/>
-              <a:t>просто вызвать эти команды</a:t>
-            </a:r>
-            <a:endParaRPr lang="ru-RU" dirty="0"/>
-          </a:p>
-        </p:txBody>
-      </p:sp>
-      <p:sp>
-        <p:nvSpPr>
-          <p:cNvPr id="14" name="TextBox 13"/>
-          <p:cNvSpPr txBox="1"/>
-          <p:nvPr/>
-        </p:nvSpPr>
-        <p:spPr>
-          <a:xfrm>
-            <a:off x="5357818" y="5786454"/>
-            <a:ext cx="3060325" cy="369332"/>
-          </a:xfrm>
-          <a:prstGeom prst="rect">
-            <a:avLst/>
-          </a:prstGeom>
-          <a:noFill/>
-        </p:spPr>
-        <p:txBody>
-          <a:bodyPr wrap="none" rtlCol="0">
-            <a:spAutoFit/>
-          </a:bodyPr>
-          <a:lstStyle/>
-          <a:p>
-            <a:r>
-              <a:rPr lang="ru-RU" dirty="0" smtClean="0"/>
-              <a:t>вставить эти команды в файл</a:t>
-            </a:r>
-            <a:endParaRPr lang="ru-RU" dirty="0"/>
-          </a:p>
-        </p:txBody>
-      </p:sp>
+        </p:spPr>
+        <p:style>
+          <a:lnRef idx="3">
+            <a:schemeClr val="accent1"/>
+          </a:lnRef>
+          <a:fillRef idx="0">
+            <a:schemeClr val="accent1"/>
+          </a:fillRef>
+          <a:effectRef idx="2">
+            <a:schemeClr val="accent1"/>
+          </a:effectRef>
+          <a:fontRef idx="minor">
+            <a:schemeClr val="tx1"/>
+          </a:fontRef>
+        </p:style>
+      </p:cxnSp>
     </p:spTree>
   </p:cSld>
   <p:clrMapOvr>
@@ -5548,7 +5494,7 @@
         <p:spPr>
           <a:xfrm>
             <a:off x="1071538" y="2143116"/>
-            <a:ext cx="3885551" cy="369332"/>
+            <a:ext cx="1392369" cy="369332"/>
           </a:xfrm>
           <a:prstGeom prst="rect">
             <a:avLst/>
@@ -5563,7 +5509,7 @@
           <a:p>
             <a:r>
               <a:rPr lang="ru-RU" dirty="0" smtClean="0"/>
-              <a:t>Временный (до первой перезагрузки)</a:t>
+              <a:t>Постоянный</a:t>
             </a:r>
             <a:endParaRPr lang="ru-RU" dirty="0"/>
           </a:p>
@@ -5578,7 +5524,7 @@
         <p:spPr>
           <a:xfrm>
             <a:off x="857224" y="2571744"/>
-            <a:ext cx="6957930" cy="2585323"/>
+            <a:ext cx="6963894" cy="1200329"/>
           </a:xfrm>
           <a:prstGeom prst="rect">
             <a:avLst/>
@@ -5593,6 +5539,33 @@
           <a:p>
             <a:r>
               <a:rPr lang="ru-RU" dirty="0" smtClean="0"/>
+              <a:t>на каждой </a:t>
+            </a:r>
+            <a:r>
+              <a:rPr lang="en-US" dirty="0"/>
+              <a:t>Raspberry</a:t>
+            </a:r>
+            <a:r>
+              <a:rPr lang="ru-RU" dirty="0"/>
+              <a:t> </a:t>
+            </a:r>
+            <a:r>
+              <a:rPr lang="ru-RU" dirty="0" smtClean="0"/>
+              <a:t>открываем файл </a:t>
+            </a:r>
+            <a:r>
+              <a:rPr lang="en-US" dirty="0" smtClean="0"/>
+              <a:t>/home/pi/.</a:t>
+            </a:r>
+            <a:r>
+              <a:rPr lang="en-US" dirty="0" err="1" smtClean="0"/>
+              <a:t>bashrc</a:t>
+            </a:r>
+            <a:endParaRPr lang="ru-RU" dirty="0" smtClean="0"/>
+          </a:p>
+          <a:p>
+            <a:r>
+              <a:rPr lang="ru-RU" dirty="0" smtClean="0"/>
               <a:t>подставляем свои </a:t>
             </a:r>
             <a:r>
@@ -5605,7 +5578,7 @@
             </a:r>
             <a:r>
               <a:rPr lang="ru-RU" dirty="0" smtClean="0"/>
-              <a:t>и вызываем по 2 команды на каждом </a:t>
+              <a:t>и вставляем по 2 команды на каждом </a:t>
             </a:r>
             <a:r>
               <a:rPr lang="en-US" dirty="0" smtClean="0"/>
@@ -5614,236 +5587,89 @@
           </a:p>
           <a:p>
             <a:r>
-              <a:rPr lang="ru-RU" b="1" u="sng" dirty="0" smtClean="0"/>
-              <a:t>например </a:t>
-            </a:r>
-          </a:p>
-          <a:p>
-            <a:r>
-              <a:rPr lang="ru-RU" dirty="0" smtClean="0">
-                <a:solidFill>
-                  <a:schemeClr val="accent2">
-                    <a:lumMod val="75000"/>
-                  </a:schemeClr>
-                </a:solidFill>
-              </a:rPr>
-              <a:t>для мастера</a:t>
-            </a:r>
-            <a:r>
-              <a:rPr lang="en-US" dirty="0" smtClean="0">
-                <a:solidFill>
-                  <a:schemeClr val="accent2">
-                    <a:lumMod val="75000"/>
-                  </a:schemeClr>
-                </a:solidFill>
-              </a:rPr>
+              <a:rPr lang="ru-RU" dirty="0" smtClean="0"/>
+              <a:t>например</a:t>
+            </a:r>
+            <a:r>
+              <a:rPr lang="en-US" dirty="0" smtClean="0"/>
               <a:t>:</a:t>
             </a:r>
-            <a:endParaRPr lang="ru-RU" dirty="0" smtClean="0">
-              <a:solidFill>
-                <a:schemeClr val="accent2">
-                  <a:lumMod val="75000"/>
-                </a:schemeClr>
-              </a:solidFill>
-            </a:endParaRPr>
-          </a:p>
-          <a:p>
-            <a:r>
-              <a:rPr lang="en-US" dirty="0"/>
-              <a:t>export</a:t>
-            </a:r>
-            <a:r>
-              <a:rPr lang="en-US" dirty="0" smtClean="0"/>
-              <a:t> </a:t>
-            </a:r>
-            <a:r>
-              <a:rPr lang="en-US" dirty="0"/>
-              <a:t>ROS_MASTER_URI=</a:t>
-            </a:r>
-            <a:r>
-              <a:rPr lang="en-US" dirty="0" smtClean="0"/>
-              <a:t>http://192.168.31.79:11311 </a:t>
-            </a:r>
-            <a:endParaRPr lang="ru-RU" dirty="0" smtClean="0"/>
-          </a:p>
-          <a:p>
-            <a:r>
-              <a:rPr lang="en-US" dirty="0" smtClean="0"/>
-              <a:t>export ROS_IP=192.168.31.79</a:t>
-            </a:r>
-            <a:endParaRPr lang="ru-RU" dirty="0" smtClean="0"/>
-          </a:p>
-          <a:p>
-            <a:r>
-              <a:rPr lang="ru-RU" dirty="0" smtClean="0">
-                <a:solidFill>
-                  <a:schemeClr val="tx2">
-                    <a:lumMod val="75000"/>
-                  </a:schemeClr>
-                </a:solidFill>
-              </a:rPr>
-              <a:t>для клиента</a:t>
-            </a:r>
-            <a:r>
-              <a:rPr lang="en-US" dirty="0" smtClean="0">
-                <a:solidFill>
-                  <a:schemeClr val="tx2">
-                    <a:lumMod val="75000"/>
-                  </a:schemeClr>
-                </a:solidFill>
-              </a:rPr>
-              <a:t>:</a:t>
-            </a:r>
-            <a:endParaRPr lang="ru-RU" dirty="0" smtClean="0">
-              <a:solidFill>
-                <a:schemeClr val="tx2">
-                  <a:lumMod val="75000"/>
-                </a:schemeClr>
-              </a:solidFill>
-            </a:endParaRPr>
-          </a:p>
-          <a:p>
-            <a:r>
-              <a:rPr lang="en-US" dirty="0" smtClean="0"/>
-              <a:t>export ROS_MASTER_URI=http://192.168.31.79:11311 </a:t>
-            </a:r>
-            <a:endParaRPr lang="ru-RU" dirty="0" smtClean="0"/>
-          </a:p>
-          <a:p>
-            <a:r>
-              <a:rPr lang="en-US" dirty="0" smtClean="0"/>
-              <a:t>export ROS_IP=192.168.31.</a:t>
-            </a:r>
-            <a:r>
-              <a:rPr lang="ru-RU" dirty="0" smtClean="0"/>
-              <a:t>197</a:t>
-            </a:r>
           </a:p>
           <a:p>
             <a:endParaRPr lang="ru-RU" dirty="0"/>
           </a:p>
         </p:txBody>
       </p:sp>
-      <p:cxnSp>
-        <p:nvCxnSpPr>
-          <p:cNvPr id="17" name="Прямая соединительная линия 16"/>
-          <p:cNvCxnSpPr/>
+      <p:pic>
+        <p:nvPicPr>
+          <p:cNvPr id="10242" name="Picture 2"/>
+          <p:cNvPicPr>
+            <a:picLocks noChangeAspect="1" noChangeArrowheads="1"/>
+          </p:cNvPicPr>
           <p:nvPr/>
-        </p:nvCxnSpPr>
-        <p:spPr>
-          <a:xfrm>
-            <a:off x="4000496" y="3714752"/>
-            <a:ext cx="2071702" cy="1588"/>
-          </a:xfrm>
-          <a:prstGeom prst="line">
+        </p:nvPicPr>
+        <p:blipFill>
+          <a:blip r:embed="rId2"/>
+          <a:srcRect/>
+          <a:stretch>
+            <a:fillRect/>
+          </a:stretch>
+        </p:blipFill>
+        <p:spPr bwMode="auto">
+          <a:xfrm>
+            <a:off x="928662" y="3500438"/>
+            <a:ext cx="4543425" cy="723900"/>
+          </a:xfrm>
+          <a:prstGeom prst="rect">
             <a:avLst/>
           </a:prstGeom>
-        </p:spPr>
-        <p:style>
-          <a:lnRef idx="2">
-            <a:schemeClr val="accent2"/>
-          </a:lnRef>
-          <a:fillRef idx="0">
-            <a:schemeClr val="accent2"/>
-          </a:fillRef>
-          <a:effectRef idx="1">
-            <a:schemeClr val="accent2"/>
-          </a:effectRef>
-          <a:fontRef idx="minor">
-            <a:schemeClr val="tx1"/>
-          </a:fontRef>
-        </p:style>
-      </p:cxnSp>
-      <p:cxnSp>
-        <p:nvCxnSpPr>
-          <p:cNvPr id="20" name="Прямая соединительная линия 19"/>
-          <p:cNvCxnSpPr/>
+          <a:noFill/>
+          <a:ln w="9525">
+            <a:noFill/>
+            <a:miter lim="800000"/>
+            <a:headEnd/>
+            <a:tailEnd/>
+          </a:ln>
+          <a:effectLst/>
+        </p:spPr>
+      </p:pic>
+      <p:sp>
+        <p:nvSpPr>
+          <p:cNvPr id="11" name="TextBox 10"/>
+          <p:cNvSpPr txBox="1"/>
           <p:nvPr/>
-        </p:nvCxnSpPr>
+        </p:nvSpPr>
         <p:spPr>
           <a:xfrm>
-            <a:off x="2428860" y="4000504"/>
-            <a:ext cx="1214446" cy="1588"/>
-          </a:xfrm>
-          <a:prstGeom prst="line">
+            <a:off x="928662" y="4429132"/>
+            <a:ext cx="3835409" cy="369332"/>
+          </a:xfrm>
+          <a:prstGeom prst="rect">
             <a:avLst/>
           </a:prstGeom>
-        </p:spPr>
-        <p:style>
-          <a:lnRef idx="2">
-            <a:schemeClr val="accent2"/>
-          </a:lnRef>
-          <a:fillRef idx="0">
-            <a:schemeClr val="accent2"/>
-          </a:fillRef>
-          <a:effectRef idx="1">
-            <a:schemeClr val="accent2"/>
-          </a:effectRef>
-          <a:fontRef idx="minor">
-            <a:schemeClr val="tx1"/>
-          </a:fontRef>
-        </p:style>
-      </p:cxnSp>
-      <p:cxnSp>
-        <p:nvCxnSpPr>
-          <p:cNvPr id="24" name="Прямая соединительная линия 23"/>
-          <p:cNvCxnSpPr/>
-          <p:nvPr/>
-        </p:nvCxnSpPr>
-        <p:spPr>
-          <a:xfrm>
-            <a:off x="4000496" y="4572008"/>
-            <a:ext cx="2071702" cy="1588"/>
-          </a:xfrm>
-          <a:prstGeom prst="line">
-            <a:avLst/>
-          </a:prstGeom>
-        </p:spPr>
-        <p:style>
-          <a:lnRef idx="2">
-            <a:schemeClr val="accent2"/>
-          </a:lnRef>
-          <a:fillRef idx="0">
-            <a:schemeClr val="accent2"/>
-          </a:fillRef>
-          <a:effectRef idx="1">
-            <a:schemeClr val="accent2"/>
-          </a:effectRef>
-          <a:fontRef idx="minor">
-            <a:schemeClr val="tx1"/>
-          </a:fontRef>
-        </p:style>
-      </p:cxnSp>
-      <p:cxnSp>
-        <p:nvCxnSpPr>
-          <p:cNvPr id="25" name="Прямая соединительная линия 24"/>
-          <p:cNvCxnSpPr/>
-          <p:nvPr/>
-        </p:nvCxnSpPr>
-        <p:spPr>
-          <a:xfrm>
-            <a:off x="2357422" y="4786322"/>
-            <a:ext cx="1500198" cy="1588"/>
-          </a:xfrm>
-          <a:prstGeom prst="line">
-            <a:avLst/>
-          </a:prstGeom>
-        </p:spPr>
-        <p:style>
-          <a:lnRef idx="3">
-            <a:schemeClr val="accent1"/>
-          </a:lnRef>
-          <a:fillRef idx="0">
-            <a:schemeClr val="accent1"/>
-          </a:fillRef>
-          <a:effectRef idx="2">
-            <a:schemeClr val="accent1"/>
-          </a:effectRef>
-          <a:fontRef idx="minor">
-            <a:schemeClr val="tx1"/>
-          </a:fontRef>
-        </p:style>
-      </p:cxnSp>
+          <a:noFill/>
+        </p:spPr>
+        <p:txBody>
+          <a:bodyPr wrap="none" rtlCol="0">
+            <a:spAutoFit/>
+          </a:bodyPr>
+          <a:lstStyle/>
+          <a:p>
+            <a:r>
+              <a:rPr lang="ru-RU" dirty="0" smtClean="0"/>
+              <a:t>после этого перезагрузить </a:t>
+            </a:r>
+            <a:r>
+              <a:rPr lang="en-US" dirty="0"/>
+              <a:t>Raspberry</a:t>
+            </a:r>
+            <a:r>
+              <a:rPr lang="ru-RU" dirty="0"/>
+              <a:t> </a:t>
+            </a:r>
+          </a:p>
+        </p:txBody>
+      </p:sp>
     </p:spTree>
   </p:cSld>
   <p:clrMapOvr>
@@ -5881,7 +5707,7 @@
         </p:nvSpPr>
         <p:spPr>
           <a:xfrm>
-            <a:off x="-142908" y="0"/>
+            <a:off x="-142908" y="387339"/>
             <a:ext cx="9429816" cy="1470025"/>
           </a:xfrm>
         </p:spPr>
@@ -5891,7 +5717,7 @@
           <a:p>
             <a:r>
               <a:rPr lang="ru-RU" dirty="0" smtClean="0"/>
-              <a:t>Шаг 4 – настройка сети </a:t>
+              <a:t>Шаг 5 – проверка сети </a:t>
             </a:r>
             <a:r>
               <a:rPr lang="en-US" dirty="0" smtClean="0"/>
@@ -5903,127 +5729,14 @@
       </p:sp>
       <p:sp>
         <p:nvSpPr>
-          <p:cNvPr id="7" name="Заголовок 1"/>
-          <p:cNvSpPr txBox="1">
-            <a:spLocks/>
-          </p:cNvSpPr>
-          <p:nvPr/>
-        </p:nvSpPr>
-        <p:spPr>
-          <a:xfrm>
-            <a:off x="-285816" y="714356"/>
-            <a:ext cx="9429816" cy="1470025"/>
-          </a:xfrm>
-          <a:prstGeom prst="rect">
-            <a:avLst/>
-          </a:prstGeom>
-        </p:spPr>
-        <p:txBody>
-          <a:bodyPr vert="horz" lIns="91440" tIns="45720" rIns="91440" bIns="45720" rtlCol="0" anchor="ctr">
-            <a:normAutofit/>
-          </a:bodyPr>
-          <a:lstStyle/>
-          <a:p>
-            <a:pPr lvl="0" algn="ctr">
-              <a:spcBef>
-                <a:spcPct val="0"/>
-              </a:spcBef>
-            </a:pPr>
-            <a:r>
-              <a:rPr kumimoji="0" lang="ru-RU" sz="3200" b="0" i="0" u="none" strike="noStrike" kern="1200" cap="none" spc="0" normalizeH="0" baseline="0" noProof="0" dirty="0" smtClean="0">
-                <a:ln>
-                  <a:noFill/>
-                </a:ln>
-                <a:solidFill>
-                  <a:schemeClr val="tx1"/>
-                </a:solidFill>
-                <a:effectLst/>
-                <a:uLnTx/>
-                <a:uFillTx/>
-                <a:latin typeface="+mj-lt"/>
-                <a:ea typeface="+mj-ea"/>
-                <a:cs typeface="+mj-cs"/>
-              </a:rPr>
-              <a:t>Шаг 4.5</a:t>
-            </a:r>
-            <a:r>
-              <a:rPr kumimoji="0" lang="ru-RU" sz="3200" b="0" i="0" u="none" strike="noStrike" kern="1200" cap="none" spc="0" normalizeH="0" noProof="0" dirty="0" smtClean="0">
-                <a:ln>
-                  <a:noFill/>
-                </a:ln>
-                <a:solidFill>
-                  <a:schemeClr val="tx1"/>
-                </a:solidFill>
-                <a:effectLst/>
-                <a:uLnTx/>
-                <a:uFillTx/>
-                <a:latin typeface="+mj-lt"/>
-                <a:ea typeface="+mj-ea"/>
-                <a:cs typeface="+mj-cs"/>
-              </a:rPr>
-              <a:t> установка сети </a:t>
-            </a:r>
-            <a:r>
-              <a:rPr kumimoji="0" lang="en-US" sz="3200" b="0" i="0" u="none" strike="noStrike" kern="1200" cap="none" spc="0" normalizeH="0" noProof="0" dirty="0" smtClean="0">
-                <a:ln>
-                  <a:noFill/>
-                </a:ln>
-                <a:solidFill>
-                  <a:schemeClr val="tx1"/>
-                </a:solidFill>
-                <a:effectLst/>
-                <a:uLnTx/>
-                <a:uFillTx/>
-                <a:latin typeface="+mj-lt"/>
-                <a:ea typeface="+mj-ea"/>
-                <a:cs typeface="+mj-cs"/>
-              </a:rPr>
-              <a:t>ROS</a:t>
-            </a:r>
-            <a:r>
-              <a:rPr kumimoji="0" lang="ru-RU" sz="3200" b="0" i="0" u="none" strike="noStrike" kern="1200" cap="none" spc="0" normalizeH="0" noProof="0" dirty="0" smtClean="0">
-                <a:ln>
-                  <a:noFill/>
-                </a:ln>
-                <a:solidFill>
-                  <a:schemeClr val="tx1"/>
-                </a:solidFill>
-                <a:effectLst/>
-                <a:uLnTx/>
-                <a:uFillTx/>
-                <a:latin typeface="+mj-lt"/>
-                <a:ea typeface="+mj-ea"/>
-                <a:cs typeface="+mj-cs"/>
-              </a:rPr>
-              <a:t> </a:t>
-            </a:r>
-            <a:endParaRPr kumimoji="0" lang="ru-RU" sz="3200" b="0" i="0" u="none" strike="noStrike" kern="1200" cap="none" spc="0" normalizeH="0" baseline="0" noProof="0" dirty="0" smtClean="0">
-              <a:ln>
-                <a:noFill/>
-              </a:ln>
-              <a:solidFill>
-                <a:schemeClr val="tx1"/>
-              </a:solidFill>
-              <a:effectLst/>
-              <a:uLnTx/>
-              <a:uFillTx/>
-              <a:latin typeface="+mj-lt"/>
-              <a:ea typeface="+mj-ea"/>
-              <a:cs typeface="+mj-cs"/>
-            </a:endParaRPr>
-          </a:p>
-        </p:txBody>
-      </p:sp>
-      <p:sp>
-        <p:nvSpPr>
-          <p:cNvPr id="10" name="TextBox 9"/>
+          <p:cNvPr id="8" name="TextBox 7"/>
           <p:cNvSpPr txBox="1"/>
           <p:nvPr/>
         </p:nvSpPr>
         <p:spPr>
           <a:xfrm>
-            <a:off x="1071538" y="2143116"/>
-            <a:ext cx="1392369" cy="369332"/>
+            <a:off x="571472" y="2857496"/>
+            <a:ext cx="6500858" cy="707886"/>
           </a:xfrm>
           <a:prstGeom prst="rect">
             <a:avLst/>
@@ -6031,29 +5744,29 @@
           <a:noFill/>
         </p:spPr>
         <p:txBody>
-          <a:bodyPr wrap="none" rtlCol="0">
+          <a:bodyPr wrap="square" rtlCol="0">
             <a:spAutoFit/>
           </a:bodyPr>
           <a:lstStyle/>
           <a:p>
             <a:r>
-              <a:rPr lang="ru-RU" dirty="0" smtClean="0"/>
-              <a:t>Постоянный</a:t>
-            </a:r>
-            <a:endParaRPr lang="ru-RU" dirty="0"/>
-          </a:p>
-        </p:txBody>
-      </p:sp>
-      <p:sp>
-        <p:nvSpPr>
-          <p:cNvPr id="15" name="TextBox 14"/>
+              <a:rPr lang="ru-RU" sz="2000" dirty="0" smtClean="0"/>
+              <a:t>Проверить работу сети можно с помощью простеньких программ по отправке и принятию данных из топика </a:t>
+            </a:r>
+            <a:endParaRPr lang="ru-RU" sz="2000" dirty="0"/>
+          </a:p>
+        </p:txBody>
+      </p:sp>
+      <p:sp>
+        <p:nvSpPr>
+          <p:cNvPr id="9" name="TextBox 8"/>
           <p:cNvSpPr txBox="1"/>
           <p:nvPr/>
         </p:nvSpPr>
         <p:spPr>
           <a:xfrm>
-            <a:off x="857224" y="2571744"/>
-            <a:ext cx="6963894" cy="1200329"/>
+            <a:off x="571472" y="2000240"/>
+            <a:ext cx="6500858" cy="707886"/>
           </a:xfrm>
           <a:prstGeom prst="rect">
             <a:avLst/>
@@ -6061,84 +5774,37 @@
           <a:noFill/>
         </p:spPr>
         <p:txBody>
-          <a:bodyPr wrap="none" rtlCol="0">
+          <a:bodyPr wrap="square" rtlCol="0">
             <a:spAutoFit/>
           </a:bodyPr>
           <a:lstStyle/>
           <a:p>
             <a:r>
-              <a:rPr lang="ru-RU" dirty="0" smtClean="0"/>
-              <a:t>на каждой </a:t>
-            </a:r>
-            <a:r>
-              <a:rPr lang="en-US" dirty="0"/>
+              <a:rPr lang="ru-RU" sz="2000" dirty="0" smtClean="0"/>
+              <a:t>Теперь обе </a:t>
+            </a:r>
+            <a:r>
+              <a:rPr lang="en-US" sz="2000" dirty="0" smtClean="0"/>
               <a:t>Raspberry</a:t>
             </a:r>
             <a:r>
-              <a:rPr lang="ru-RU" dirty="0"/>
-              <a:t> </a:t>
-            </a:r>
-            <a:r>
-              <a:rPr lang="ru-RU" dirty="0" smtClean="0"/>
-              <a:t>открываем файл </a:t>
-            </a:r>
-            <a:r>
-              <a:rPr lang="en-US" dirty="0" smtClean="0"/>
-              <a:t>/home/pi/.</a:t>
-            </a:r>
-            <a:r>
-              <a:rPr lang="en-US" dirty="0" err="1" smtClean="0"/>
-              <a:t>bashrc</a:t>
-            </a:r>
-            <a:endParaRPr lang="ru-RU" dirty="0" smtClean="0"/>
-          </a:p>
-          <a:p>
-            <a:r>
-              <a:rPr lang="ru-RU" dirty="0" smtClean="0"/>
-              <a:t>подставляем свои </a:t>
-            </a:r>
-            <a:r>
-              <a:rPr lang="en-US" dirty="0" smtClean="0"/>
-              <a:t>IP</a:t>
-            </a:r>
-            <a:r>
-              <a:rPr lang="ru-RU" dirty="0"/>
-              <a:t> </a:t>
-            </a:r>
-            <a:r>
-              <a:rPr lang="ru-RU" dirty="0" smtClean="0"/>
-              <a:t>и вставляем по 2 команды на каждом </a:t>
-            </a:r>
-            <a:r>
-              <a:rPr lang="en-US" dirty="0" smtClean="0"/>
-              <a:t>Raspberry</a:t>
-            </a:r>
-          </a:p>
-          <a:p>
-            <a:r>
-              <a:rPr lang="ru-RU" dirty="0" smtClean="0"/>
-              <a:t>например</a:t>
-            </a:r>
-            <a:r>
-              <a:rPr lang="en-US" dirty="0" smtClean="0"/>
-              <a:t>:</a:t>
-            </a:r>
-          </a:p>
-          <a:p>
-            <a:endParaRPr lang="ru-RU" dirty="0"/>
+              <a:rPr lang="ru-RU" sz="2000" dirty="0" smtClean="0"/>
+              <a:t> настроены и клиент может видеть топики мастера </a:t>
+            </a:r>
+            <a:endParaRPr lang="ru-RU" sz="2000" dirty="0"/>
           </a:p>
         </p:txBody>
       </p:sp>
       <p:pic>
         <p:nvPicPr>
-          <p:cNvPr id="10242" name="Picture 2"/>
+          <p:cNvPr id="11266" name="Picture 2"/>
           <p:cNvPicPr>
             <a:picLocks noChangeAspect="1" noChangeArrowheads="1"/>
           </p:cNvPicPr>
           <p:nvPr/>
         </p:nvPicPr>
         <p:blipFill>
-          <a:blip r:embed="rId2"/>
+          <a:blip r:embed="rId2" cstate="print"/>
           <a:srcRect/>
           <a:stretch>
             <a:fillRect/>
@@ -6146,8 +5812,8 @@
         </p:blipFill>
         <p:spPr bwMode="auto">
           <a:xfrm>
-            <a:off x="928662" y="3500438"/>
-            <a:ext cx="4543425" cy="723900"/>
+            <a:off x="642910" y="3786190"/>
+            <a:ext cx="4786346" cy="2647601"/>
           </a:xfrm>
           <a:prstGeom prst="rect">
             <a:avLst/>
@@ -6164,14 +5830,14 @@
       </p:pic>
       <p:sp>
         <p:nvSpPr>
-          <p:cNvPr id="11" name="TextBox 10"/>
+          <p:cNvPr id="12" name="TextBox 11"/>
           <p:cNvSpPr txBox="1"/>
           <p:nvPr/>
         </p:nvSpPr>
         <p:spPr>
           <a:xfrm>
-            <a:off x="928662" y="4429132"/>
-            <a:ext cx="3835409" cy="369332"/>
+            <a:off x="5572132" y="4429132"/>
+            <a:ext cx="3143272" cy="1107996"/>
           </a:xfrm>
           <a:prstGeom prst="rect">
             <a:avLst/>
@@ -6179,23 +5845,26 @@
           <a:noFill/>
         </p:spPr>
         <p:txBody>
-          <a:bodyPr wrap="none" rtlCol="0">
+          <a:bodyPr wrap="square" rtlCol="0">
             <a:spAutoFit/>
           </a:bodyPr>
           <a:lstStyle/>
           <a:p>
             <a:r>
-              <a:rPr lang="ru-RU" dirty="0" smtClean="0"/>
-              <a:t>после этого перезагрузить </a:t>
-            </a:r>
-            <a:r>
-              <a:rPr lang="en-US" dirty="0"/>
-              <a:t>Raspberry</a:t>
-            </a:r>
-            <a:r>
-              <a:rPr lang="ru-RU" dirty="0"/>
-              <a:t> </a:t>
-            </a:r>
+              <a:rPr lang="ru-RU" sz="1600" dirty="0" smtClean="0"/>
+              <a:t>Я подготовил 2 программы</a:t>
+            </a:r>
+            <a:r>
+              <a:rPr lang="en-US" sz="1600" dirty="0" smtClean="0"/>
+              <a:t> – </a:t>
+            </a:r>
+            <a:r>
+              <a:rPr lang="ru-RU" sz="1600" dirty="0" smtClean="0"/>
+              <a:t>одна для публикации данных, вторая для принятия этих данных.</a:t>
+            </a:r>
+          </a:p>
+          <a:p>
+            <a:endParaRPr lang="ru-RU" sz="1600" dirty="0"/>
           </a:p>
         </p:txBody>
       </p:sp>
@@ -6246,11 +5915,19 @@
           <a:p>
             <a:r>
               <a:rPr lang="ru-RU" dirty="0" smtClean="0"/>
-              <a:t>Шаг 5 – проверка сети </a:t>
-            </a:r>
-            <a:r>
-              <a:rPr lang="en-US" dirty="0" smtClean="0"/>
-              <a:t>ROS</a:t>
+              <a:t>Шаг 6 – загрузка своих файлов на </a:t>
+            </a:r>
+            <a:r>
+              <a:rPr lang="en-US" dirty="0"/>
+              <a:t>Raspberry</a:t>
+            </a:r>
+            <a:r>
+              <a:rPr lang="ru-RU" dirty="0"/>
+              <a:t> </a:t>
+            </a:r>
+            <a:r>
+              <a:rPr lang="ru-RU" dirty="0" smtClean="0"/>
+              <a:t>(бонусный)</a:t>
             </a:r>
             <a:endParaRPr lang="ru-RU" dirty="0"/>
           </a:p>
@@ -6258,14 +5935,14 @@
       </p:sp>
       <p:sp>
         <p:nvSpPr>
-          <p:cNvPr id="8" name="TextBox 7"/>
+          <p:cNvPr id="7" name="TextBox 6"/>
           <p:cNvSpPr txBox="1"/>
           <p:nvPr/>
         </p:nvSpPr>
         <p:spPr>
           <a:xfrm>
-            <a:off x="571472" y="2857496"/>
-            <a:ext cx="6500858" cy="707886"/>
+            <a:off x="928662" y="2285992"/>
+            <a:ext cx="8572560" cy="2031325"/>
           </a:xfrm>
           <a:prstGeom prst="rect">
             <a:avLst/>
@@ -6279,61 +5956,123 @@
           <a:lstStyle/>
           <a:p>
             <a:r>
-              <a:rPr lang="ru-RU" sz="2000" dirty="0" smtClean="0"/>
-              <a:t>Проверить работу сети можно с помощью простеньких программ по отправке и принятию данных из топика </a:t>
-            </a:r>
-            <a:endParaRPr lang="ru-RU" sz="2000" dirty="0"/>
-          </a:p>
-        </p:txBody>
-      </p:sp>
-      <p:sp>
-        <p:nvSpPr>
-          <p:cNvPr id="9" name="TextBox 8"/>
-          <p:cNvSpPr txBox="1"/>
-          <p:nvPr/>
-        </p:nvSpPr>
-        <p:spPr>
-          <a:xfrm>
-            <a:off x="571472" y="2000240"/>
-            <a:ext cx="6500858" cy="707886"/>
-          </a:xfrm>
-          <a:prstGeom prst="rect">
-            <a:avLst/>
-          </a:prstGeom>
-          <a:noFill/>
-        </p:spPr>
-        <p:txBody>
-          <a:bodyPr wrap="square" rtlCol="0">
-            <a:spAutoFit/>
-          </a:bodyPr>
-          <a:lstStyle/>
-          <a:p>
-            <a:r>
-              <a:rPr lang="ru-RU" sz="2000" dirty="0" smtClean="0"/>
-              <a:t>Теперь обе </a:t>
-            </a:r>
-            <a:r>
-              <a:rPr lang="en-US" sz="2000" dirty="0" smtClean="0"/>
+              <a:rPr lang="ru-RU" dirty="0" smtClean="0"/>
+              <a:t>Обязательно налаживаем подключение </a:t>
+            </a:r>
+            <a:r>
+              <a:rPr lang="en-US" dirty="0" smtClean="0"/>
+              <a:t>SSH</a:t>
+            </a:r>
+            <a:r>
+              <a:rPr lang="ru-RU" dirty="0"/>
+              <a:t> </a:t>
+            </a:r>
+            <a:r>
+              <a:rPr lang="ru-RU" dirty="0" smtClean="0"/>
+              <a:t>к </a:t>
+            </a:r>
+            <a:r>
+              <a:rPr lang="en-US" dirty="0"/>
               <a:t>Raspberry</a:t>
             </a:r>
             <a:r>
-              <a:rPr lang="ru-RU" sz="2000" dirty="0" smtClean="0"/>
-              <a:t> настроены и клиент может видеть топики мастера </a:t>
-            </a:r>
-            <a:endParaRPr lang="ru-RU" sz="2000" dirty="0"/>
+              <a:rPr lang="en-US" dirty="0" smtClean="0"/>
+              <a:t> </a:t>
+            </a:r>
+            <a:r>
+              <a:rPr lang="ru-RU" dirty="0" smtClean="0"/>
+              <a:t>на том устройстве, на котором находятся эти самые файлы, которые нужно скопировать.</a:t>
+            </a:r>
+          </a:p>
+          <a:p>
+            <a:r>
+              <a:rPr lang="ru-RU" dirty="0" smtClean="0"/>
+              <a:t>но </a:t>
+            </a:r>
+            <a:r>
+              <a:rPr lang="ru-RU" b="1" dirty="0" smtClean="0"/>
+              <a:t>не </a:t>
+            </a:r>
+            <a:r>
+              <a:rPr lang="ru-RU" dirty="0" smtClean="0"/>
+              <a:t>выполняем команду</a:t>
+            </a:r>
+            <a:r>
+              <a:rPr lang="en-US" dirty="0" smtClean="0"/>
+              <a:t> </a:t>
+            </a:r>
+            <a:r>
+              <a:rPr lang="en-US" dirty="0" err="1" smtClean="0"/>
+              <a:t>ssh</a:t>
+            </a:r>
+            <a:endParaRPr lang="ru-RU" dirty="0" smtClean="0"/>
+          </a:p>
+          <a:p>
+            <a:r>
+              <a:rPr lang="ru-RU" dirty="0" smtClean="0"/>
+              <a:t>вместо этого выполняем </a:t>
+            </a:r>
+            <a:r>
+              <a:rPr lang="en-US" dirty="0" err="1" smtClean="0"/>
+              <a:t>scp</a:t>
+            </a:r>
+            <a:r>
+              <a:rPr lang="en-US" dirty="0" smtClean="0"/>
+              <a:t>:</a:t>
+            </a:r>
+            <a:endParaRPr lang="ru-RU" dirty="0" smtClean="0"/>
+          </a:p>
+          <a:p>
+            <a:r>
+              <a:rPr lang="ru-RU" dirty="0" smtClean="0"/>
+              <a:t>например</a:t>
+            </a:r>
+          </a:p>
+          <a:p>
+            <a:r>
+              <a:rPr lang="en-US" dirty="0" err="1" smtClean="0"/>
+              <a:t>scp</a:t>
+            </a:r>
+            <a:r>
+              <a:rPr lang="en-US" dirty="0" smtClean="0"/>
+              <a:t> C:\Users\Blokk\test.txt pi@192.168.31.79:/home/pi</a:t>
+            </a:r>
+          </a:p>
+          <a:p>
+            <a:r>
+              <a:rPr lang="en-US" dirty="0"/>
+              <a:t> </a:t>
+            </a:r>
+            <a:r>
+              <a:rPr lang="en-US" dirty="0" smtClean="0"/>
+              <a:t>          </a:t>
+            </a:r>
+            <a:r>
+              <a:rPr lang="ru-RU" sz="1400" i="1" dirty="0" smtClean="0"/>
+              <a:t>отсюда</a:t>
+            </a:r>
+            <a:r>
+              <a:rPr lang="en-US" sz="1400" i="1" dirty="0" smtClean="0"/>
+              <a:t>                                                       </a:t>
+            </a:r>
+            <a:r>
+              <a:rPr lang="ru-RU" sz="1400" i="1" dirty="0" smtClean="0"/>
+              <a:t>сюда</a:t>
+            </a:r>
+            <a:endParaRPr lang="ru-RU" i="1" dirty="0"/>
           </a:p>
         </p:txBody>
       </p:sp>
       <p:pic>
         <p:nvPicPr>
-          <p:cNvPr id="11266" name="Picture 2"/>
+          <p:cNvPr id="12291" name="Picture 3"/>
           <p:cNvPicPr>
             <a:picLocks noChangeAspect="1" noChangeArrowheads="1"/>
           </p:cNvPicPr>
           <p:nvPr/>
         </p:nvPicPr>
         <p:blipFill>
-          <a:blip r:embed="rId2" cstate="print"/>
+          <a:blip r:embed="rId2"/>
           <a:srcRect/>
           <a:stretch>
             <a:fillRect/>
@@ -6341,8 +6080,8 @@
         </p:blipFill>
         <p:spPr bwMode="auto">
           <a:xfrm>
-            <a:off x="642910" y="3786190"/>
-            <a:ext cx="4786346" cy="2647601"/>
+            <a:off x="142844" y="4357694"/>
+            <a:ext cx="8869363" cy="552450"/>
           </a:xfrm>
           <a:prstGeom prst="rect">
             <a:avLst/>
@@ -6357,46 +6096,72 @@
           <a:effectLst/>
         </p:spPr>
       </p:pic>
-      <p:sp>
-        <p:nvSpPr>
-          <p:cNvPr id="12" name="TextBox 11"/>
-          <p:cNvSpPr txBox="1"/>
+      <p:pic>
+        <p:nvPicPr>
+          <p:cNvPr id="12292" name="Picture 4"/>
+          <p:cNvPicPr>
+            <a:picLocks noChangeAspect="1" noChangeArrowheads="1"/>
+          </p:cNvPicPr>
           <p:nvPr/>
-        </p:nvSpPr>
-        <p:spPr>
-          <a:xfrm>
-            <a:off x="5572132" y="4429132"/>
-            <a:ext cx="3143272" cy="1107996"/>
+        </p:nvPicPr>
+        <p:blipFill>
+          <a:blip r:embed="rId3"/>
+          <a:srcRect/>
+          <a:stretch>
+            <a:fillRect/>
+          </a:stretch>
+        </p:blipFill>
+        <p:spPr bwMode="auto">
+          <a:xfrm>
+            <a:off x="3071802" y="5072074"/>
+            <a:ext cx="2905125" cy="571500"/>
           </a:xfrm>
           <a:prstGeom prst="rect">
             <a:avLst/>
           </a:prstGeom>
           <a:noFill/>
-        </p:spPr>
-        <p:txBody>
-          <a:bodyPr wrap="square" rtlCol="0">
-            <a:spAutoFit/>
-          </a:bodyPr>
-          <a:lstStyle/>
-          <a:p>
-            <a:r>
-              <a:rPr lang="ru-RU" sz="1600" dirty="0" smtClean="0"/>
-              <a:t>Я подготовил 2 программы</a:t>
-            </a:r>
-            <a:r>
-              <a:rPr lang="en-US" sz="1600" dirty="0" smtClean="0"/>
-              <a:t> – </a:t>
-            </a:r>
-            <a:r>
-              <a:rPr lang="ru-RU" sz="1600" dirty="0" smtClean="0"/>
-              <a:t>одна для публикации данных, вторая для принятия этих данных.</a:t>
-            </a:r>
-          </a:p>
-          <a:p>
-            <a:endParaRPr lang="ru-RU" sz="1600" dirty="0"/>
-          </a:p>
-        </p:txBody>
-      </p:sp>
+          <a:ln w="9525">
+            <a:noFill/>
+            <a:miter lim="800000"/>
+            <a:headEnd/>
+            <a:tailEnd/>
+          </a:ln>
+          <a:effectLst/>
+        </p:spPr>
+      </p:pic>
+      <p:pic>
+        <p:nvPicPr>
+          <p:cNvPr id="12294" name="Picture 6"/>
+          <p:cNvPicPr>
+            <a:picLocks noChangeAspect="1" noChangeArrowheads="1"/>
+          </p:cNvPicPr>
+          <p:nvPr/>
+        </p:nvPicPr>
+        <p:blipFill>
+          <a:blip r:embed="rId4"/>
+          <a:srcRect/>
+          <a:stretch>
+            <a:fillRect/>
+          </a:stretch>
+        </p:blipFill>
+        <p:spPr bwMode="auto">
+          <a:xfrm>
+            <a:off x="3643306" y="5786454"/>
+            <a:ext cx="1543050" cy="819150"/>
+          </a:xfrm>
+          <a:prstGeom prst="rect">
+            <a:avLst/>
+          </a:prstGeom>
+          <a:noFill/>
+          <a:ln w="9525">
+            <a:noFill/>
+            <a:miter lim="800000"/>
+            <a:headEnd/>
+            <a:tailEnd/>
+          </a:ln>
+          <a:effectLst/>
+        </p:spPr>
+      </p:pic>
     </p:spTree>
   </p:cSld>
   <p:clrMapOvr>
@@ -6444,7 +6209,7 @@
           <a:p>
             <a:r>
               <a:rPr lang="ru-RU" dirty="0" smtClean="0"/>
-              <a:t>Шаг 6 – загрузка своих файлов на </a:t>
+              <a:t>Шаг 7 – вскрытие образа </a:t>
             </a:r>
             <a:r>
               <a:rPr lang="en-US" dirty="0"/>
@@ -6456,145 +6221,23 @@
             </a:r>
             <a:r>
               <a:rPr lang="ru-RU" dirty="0" smtClean="0"/>
-              <a:t>(бонусный)</a:t>
+              <a:t>(</a:t>
+            </a:r>
+            <a:r>
+              <a:rPr lang="ru-RU" dirty="0" err="1" smtClean="0"/>
+              <a:t>экстра-бонусный</a:t>
+            </a:r>
+            <a:r>
+              <a:rPr lang="ru-RU" dirty="0" smtClean="0"/>
+              <a:t>)</a:t>
             </a:r>
             <a:endParaRPr lang="ru-RU" dirty="0"/>
-          </a:p>
-        </p:txBody>
-      </p:sp>
-      <p:sp>
-        <p:nvSpPr>
-          <p:cNvPr id="7" name="TextBox 6"/>
-          <p:cNvSpPr txBox="1"/>
-          <p:nvPr/>
-        </p:nvSpPr>
-        <p:spPr>
-          <a:xfrm>
-            <a:off x="928662" y="2285992"/>
-            <a:ext cx="8572560" cy="2031325"/>
-          </a:xfrm>
-          <a:prstGeom prst="rect">
-            <a:avLst/>
-          </a:prstGeom>
-          <a:noFill/>
-        </p:spPr>
-        <p:txBody>
-          <a:bodyPr wrap="square" rtlCol="0">
-            <a:spAutoFit/>
-          </a:bodyPr>
-          <a:lstStyle/>
-          <a:p>
-            <a:r>
-              <a:rPr lang="ru-RU" dirty="0" smtClean="0"/>
-              <a:t>Обязательно налаживаем подключение </a:t>
-            </a:r>
-            <a:r>
-              <a:rPr lang="en-US" dirty="0" smtClean="0"/>
-              <a:t>SSH</a:t>
-            </a:r>
-            <a:r>
-              <a:rPr lang="ru-RU" dirty="0"/>
-              <a:t> </a:t>
-            </a:r>
-            <a:r>
-              <a:rPr lang="ru-RU" dirty="0" smtClean="0"/>
-              <a:t>к </a:t>
-            </a:r>
-            <a:r>
-              <a:rPr lang="en-US" dirty="0"/>
-              <a:t>Raspberry</a:t>
-            </a:r>
-            <a:r>
-              <a:rPr lang="en-US" dirty="0" smtClean="0"/>
-              <a:t> </a:t>
-            </a:r>
-            <a:r>
-              <a:rPr lang="ru-RU" dirty="0" smtClean="0"/>
-              <a:t>на том устройстве, на котором находятся эти самые файлы, которые нужно скопировать.</a:t>
-            </a:r>
-          </a:p>
-          <a:p>
-            <a:r>
-              <a:rPr lang="ru-RU" dirty="0" smtClean="0"/>
-              <a:t>но </a:t>
-            </a:r>
-            <a:r>
-              <a:rPr lang="ru-RU" b="1" dirty="0" smtClean="0"/>
-              <a:t>не </a:t>
-            </a:r>
-            <a:r>
-              <a:rPr lang="ru-RU" dirty="0" smtClean="0"/>
-              <a:t>выполняем команду</a:t>
-            </a:r>
-            <a:r>
-              <a:rPr lang="en-US" dirty="0" smtClean="0"/>
-              <a:t> </a:t>
-            </a:r>
-            <a:r>
-              <a:rPr lang="en-US" dirty="0" err="1" smtClean="0"/>
-              <a:t>ssh</a:t>
-            </a:r>
-            <a:endParaRPr lang="ru-RU" dirty="0" smtClean="0"/>
-          </a:p>
-          <a:p>
-            <a:r>
-              <a:rPr lang="ru-RU" dirty="0" smtClean="0"/>
-              <a:t>вместо этого выполняем </a:t>
-            </a:r>
-            <a:r>
-              <a:rPr lang="en-US" dirty="0" err="1" smtClean="0"/>
-              <a:t>scp</a:t>
-            </a:r>
-            <a:r>
-              <a:rPr lang="en-US" dirty="0" smtClean="0"/>
-              <a:t>:</a:t>
-            </a:r>
-            <a:endParaRPr lang="ru-RU" dirty="0" smtClean="0"/>
-          </a:p>
-          <a:p>
-            <a:r>
-              <a:rPr lang="ru-RU" dirty="0" smtClean="0"/>
-              <a:t>например</a:t>
-            </a:r>
-          </a:p>
-          <a:p>
-            <a:r>
-              <a:rPr lang="en-US" dirty="0" err="1" smtClean="0"/>
-              <a:t>scp</a:t>
-            </a:r>
-            <a:r>
-              <a:rPr lang="en-US" dirty="0" smtClean="0"/>
-              <a:t> C:\Users\Blokk\test.txt pi@192.168.31.79:/home/pi</a:t>
-            </a:r>
-          </a:p>
-          <a:p>
-            <a:r>
-              <a:rPr lang="en-US" dirty="0"/>
-              <a:t> </a:t>
-            </a:r>
-            <a:r>
-              <a:rPr lang="en-US" dirty="0" smtClean="0"/>
-              <a:t>          </a:t>
-            </a:r>
-            <a:r>
-              <a:rPr lang="ru-RU" sz="1400" i="1" dirty="0" smtClean="0"/>
-              <a:t>отсюда</a:t>
-            </a:r>
-            <a:r>
-              <a:rPr lang="en-US" sz="1400" i="1" dirty="0" smtClean="0"/>
-              <a:t>                                                       </a:t>
-            </a:r>
-            <a:r>
-              <a:rPr lang="ru-RU" sz="1400" i="1" dirty="0" smtClean="0"/>
-              <a:t>сюда</a:t>
-            </a:r>
-            <a:endParaRPr lang="ru-RU" i="1" dirty="0"/>
           </a:p>
         </p:txBody>
       </p:sp>
       <p:pic>
         <p:nvPicPr>
-          <p:cNvPr id="12291" name="Picture 3"/>
+          <p:cNvPr id="13314" name="Picture 2"/>
           <p:cNvPicPr>
             <a:picLocks noChangeAspect="1" noChangeArrowheads="1"/>
           </p:cNvPicPr>
@@ -6609,8 +6252,8 @@
         </p:blipFill>
         <p:spPr bwMode="auto">
           <a:xfrm>
-            <a:off x="142844" y="4357694"/>
-            <a:ext cx="8869363" cy="552450"/>
+            <a:off x="1000101" y="3143248"/>
+            <a:ext cx="3643338" cy="1232404"/>
           </a:xfrm>
           <a:prstGeom prst="rect">
             <a:avLst/>
@@ -6625,9 +6268,214 @@
           <a:effectLst/>
         </p:spPr>
       </p:pic>
+      <p:sp>
+        <p:nvSpPr>
+          <p:cNvPr id="4" name="TextBox 3"/>
+          <p:cNvSpPr txBox="1"/>
+          <p:nvPr/>
+        </p:nvSpPr>
+        <p:spPr>
+          <a:xfrm>
+            <a:off x="857224" y="1928802"/>
+            <a:ext cx="8572560" cy="1169551"/>
+          </a:xfrm>
+          <a:prstGeom prst="rect">
+            <a:avLst/>
+          </a:prstGeom>
+          <a:noFill/>
+        </p:spPr>
+        <p:txBody>
+          <a:bodyPr wrap="square" rtlCol="0">
+            <a:spAutoFit/>
+          </a:bodyPr>
+          <a:lstStyle/>
+          <a:p>
+            <a:r>
+              <a:rPr lang="ru-RU" sz="1400" dirty="0" smtClean="0"/>
+              <a:t>Файловая система </a:t>
+            </a:r>
+            <a:r>
+              <a:rPr lang="en-US" sz="1400" dirty="0" smtClean="0"/>
+              <a:t>Raspberry</a:t>
+            </a:r>
+            <a:r>
+              <a:rPr lang="ru-RU" sz="1400" dirty="0"/>
+              <a:t> </a:t>
+            </a:r>
+            <a:r>
+              <a:rPr lang="ru-RU" sz="1400" dirty="0" smtClean="0"/>
+              <a:t>хранится на </a:t>
+            </a:r>
+            <a:r>
+              <a:rPr lang="ru-RU" sz="1400" dirty="0" err="1" smtClean="0"/>
+              <a:t>микроСД</a:t>
+            </a:r>
+            <a:r>
+              <a:rPr lang="ru-RU" sz="1400" dirty="0" smtClean="0"/>
+              <a:t>. </a:t>
+            </a:r>
+          </a:p>
+          <a:p>
+            <a:r>
+              <a:rPr lang="ru-RU" sz="1400" dirty="0" smtClean="0"/>
+              <a:t>когда образ загружен </a:t>
+            </a:r>
+            <a:r>
+              <a:rPr lang="ru-RU" sz="1400" dirty="0" err="1" smtClean="0"/>
+              <a:t>микроСД</a:t>
+            </a:r>
+            <a:r>
+              <a:rPr lang="ru-RU" sz="1400" dirty="0" smtClean="0"/>
+              <a:t> делится на два сегмента</a:t>
+            </a:r>
+            <a:r>
+              <a:rPr lang="en-US" sz="1400" dirty="0" smtClean="0"/>
+              <a:t>:</a:t>
+            </a:r>
+            <a:r>
+              <a:rPr lang="ru-RU" sz="1400" dirty="0" smtClean="0"/>
+              <a:t> </a:t>
+            </a:r>
+            <a:r>
+              <a:rPr lang="en-US" sz="1400" dirty="0" smtClean="0"/>
+              <a:t>boot </a:t>
+            </a:r>
+            <a:r>
+              <a:rPr lang="ru-RU" sz="1400" dirty="0" smtClean="0"/>
+              <a:t>и </a:t>
+            </a:r>
+            <a:r>
+              <a:rPr lang="en-US" sz="1400" dirty="0" err="1" smtClean="0"/>
+              <a:t>usb</a:t>
+            </a:r>
+            <a:r>
+              <a:rPr lang="en-US" sz="1400" dirty="0" smtClean="0"/>
+              <a:t>-</a:t>
+            </a:r>
+            <a:r>
+              <a:rPr lang="ru-RU" sz="1400" dirty="0" smtClean="0"/>
+              <a:t>накопитель.</a:t>
+            </a:r>
+            <a:endParaRPr lang="en-US" sz="1400" dirty="0" smtClean="0"/>
+          </a:p>
+          <a:p>
+            <a:r>
+              <a:rPr lang="ru-RU" sz="1400" dirty="0" smtClean="0"/>
+              <a:t>на </a:t>
+            </a:r>
+            <a:r>
+              <a:rPr lang="en-US" sz="1400" dirty="0" smtClean="0"/>
+              <a:t>boot </a:t>
+            </a:r>
+            <a:r>
+              <a:rPr lang="ru-RU" sz="1400" dirty="0" smtClean="0"/>
+              <a:t>нет ничего полезного.</a:t>
+            </a:r>
+          </a:p>
+          <a:p>
+            <a:r>
+              <a:rPr lang="ru-RU" sz="1400" dirty="0" smtClean="0"/>
+              <a:t>а на </a:t>
+            </a:r>
+            <a:r>
+              <a:rPr lang="en-US" sz="1400" dirty="0" err="1" smtClean="0"/>
+              <a:t>usb</a:t>
+            </a:r>
+            <a:r>
+              <a:rPr lang="en-US" sz="1400" dirty="0" smtClean="0"/>
+              <a:t>-</a:t>
+            </a:r>
+            <a:r>
+              <a:rPr lang="ru-RU" sz="1400" dirty="0" smtClean="0"/>
+              <a:t>накопителе хранится вся файловая система </a:t>
+            </a:r>
+            <a:r>
+              <a:rPr lang="en-US" sz="1400" dirty="0" smtClean="0"/>
+              <a:t>Raspberry</a:t>
+            </a:r>
+            <a:r>
+              <a:rPr lang="ru-RU" sz="1400" dirty="0" smtClean="0"/>
+              <a:t>.</a:t>
+            </a:r>
+          </a:p>
+          <a:p>
+            <a:r>
+              <a:rPr lang="ru-RU" sz="1400" dirty="0" smtClean="0"/>
+              <a:t>но открыть этот </a:t>
+            </a:r>
+            <a:r>
+              <a:rPr lang="en-US" sz="1400" dirty="0" err="1" smtClean="0"/>
+              <a:t>usb</a:t>
+            </a:r>
+            <a:r>
+              <a:rPr lang="en-US" sz="1400" dirty="0" smtClean="0"/>
+              <a:t>-</a:t>
+            </a:r>
+            <a:r>
+              <a:rPr lang="ru-RU" sz="1400" dirty="0" smtClean="0"/>
+              <a:t>накопитель на </a:t>
+            </a:r>
+            <a:r>
+              <a:rPr lang="en-US" sz="1400" dirty="0" smtClean="0"/>
+              <a:t>windows </a:t>
+            </a:r>
+            <a:r>
+              <a:rPr lang="ru-RU" sz="1400" dirty="0" smtClean="0"/>
+              <a:t>не возможно</a:t>
+            </a:r>
+            <a:endParaRPr lang="ru-RU" sz="1400" dirty="0"/>
+          </a:p>
+        </p:txBody>
+      </p:sp>
+      <p:sp>
+        <p:nvSpPr>
+          <p:cNvPr id="5" name="TextBox 4"/>
+          <p:cNvSpPr txBox="1"/>
+          <p:nvPr/>
+        </p:nvSpPr>
+        <p:spPr>
+          <a:xfrm>
+            <a:off x="785786" y="4572008"/>
+            <a:ext cx="8572560" cy="646331"/>
+          </a:xfrm>
+          <a:prstGeom prst="rect">
+            <a:avLst/>
+          </a:prstGeom>
+          <a:noFill/>
+        </p:spPr>
+        <p:txBody>
+          <a:bodyPr wrap="square" rtlCol="0">
+            <a:spAutoFit/>
+          </a:bodyPr>
+          <a:lstStyle/>
+          <a:p>
+            <a:r>
+              <a:rPr lang="ru-RU" dirty="0" smtClean="0"/>
+              <a:t>Чтобы открыть этот сегмент нужно открывать его через систему </a:t>
+            </a:r>
+            <a:r>
+              <a:rPr lang="ru-RU" dirty="0" err="1" smtClean="0"/>
+              <a:t>линукс</a:t>
+            </a:r>
+            <a:r>
+              <a:rPr lang="ru-RU" dirty="0" smtClean="0"/>
+              <a:t>. я воспользовался виртуальной машиной</a:t>
+            </a:r>
+            <a:r>
+              <a:rPr lang="en-US" dirty="0" smtClean="0"/>
+              <a:t> VMware</a:t>
+            </a:r>
+            <a:r>
+              <a:rPr lang="ru-RU" dirty="0" smtClean="0"/>
+              <a:t> – самый удобный вариант</a:t>
+            </a:r>
+            <a:endParaRPr lang="ru-RU" dirty="0"/>
+          </a:p>
+        </p:txBody>
+      </p:sp>
       <p:pic>
         <p:nvPicPr>
-          <p:cNvPr id="12292" name="Picture 4"/>
+          <p:cNvPr id="13316" name="Picture 4"/>
           <p:cNvPicPr>
             <a:picLocks noChangeAspect="1" noChangeArrowheads="1"/>
           </p:cNvPicPr>
@@ -6642,8 +6490,8 @@
         </p:blipFill>
         <p:spPr bwMode="auto">
           <a:xfrm>
-            <a:off x="3071802" y="5072074"/>
-            <a:ext cx="2905125" cy="571500"/>
+            <a:off x="428596" y="5357826"/>
+            <a:ext cx="4039575" cy="1500174"/>
           </a:xfrm>
           <a:prstGeom prst="rect">
             <a:avLst/>
@@ -6660,7 +6508,7 @@
       </p:pic>
       <p:pic>
         <p:nvPicPr>
-          <p:cNvPr id="12294" name="Picture 6"/>
+          <p:cNvPr id="13318" name="Picture 6"/>
           <p:cNvPicPr>
             <a:picLocks noChangeAspect="1" noChangeArrowheads="1"/>
           </p:cNvPicPr>
@@ -6675,8 +6523,41 @@
         </p:blipFill>
         <p:spPr bwMode="auto">
           <a:xfrm>
-            <a:off x="3643306" y="5786454"/>
-            <a:ext cx="1543050" cy="819150"/>
+            <a:off x="4572000" y="5429264"/>
+            <a:ext cx="1571636" cy="1670338"/>
+          </a:xfrm>
+          <a:prstGeom prst="rect">
+            <a:avLst/>
+          </a:prstGeom>
+          <a:noFill/>
+          <a:ln w="9525">
+            <a:noFill/>
+            <a:miter lim="800000"/>
+            <a:headEnd/>
+            <a:tailEnd/>
+          </a:ln>
+          <a:effectLst/>
+        </p:spPr>
+      </p:pic>
+      <p:pic>
+        <p:nvPicPr>
+          <p:cNvPr id="13319" name="Picture 7"/>
+          <p:cNvPicPr>
+            <a:picLocks noChangeAspect="1" noChangeArrowheads="1"/>
+          </p:cNvPicPr>
+          <p:nvPr/>
+        </p:nvPicPr>
+        <p:blipFill>
+          <a:blip r:embed="rId5"/>
+          <a:srcRect/>
+          <a:stretch>
+            <a:fillRect/>
+          </a:stretch>
+        </p:blipFill>
+        <p:spPr bwMode="auto">
+          <a:xfrm>
+            <a:off x="6286512" y="5286388"/>
+            <a:ext cx="2219316" cy="1571612"/>
           </a:xfrm>
           <a:prstGeom prst="rect">
             <a:avLst/>
@@ -6728,7 +6609,7 @@
         </p:nvSpPr>
         <p:spPr>
           <a:xfrm>
-            <a:off x="-142908" y="387339"/>
+            <a:off x="-142908" y="280902"/>
             <a:ext cx="9429816" cy="1470025"/>
           </a:xfrm>
         </p:spPr>
@@ -6738,80 +6619,536 @@
           <a:p>
             <a:r>
               <a:rPr lang="ru-RU" dirty="0" smtClean="0"/>
-              <a:t>Шаг 7 – вскрытие образа </a:t>
-            </a:r>
-            <a:r>
-              <a:rPr lang="en-US" dirty="0"/>
-              <a:t>Raspberry</a:t>
-            </a:r>
-            <a:r>
-              <a:rPr lang="ru-RU" dirty="0"/>
-              <a:t> </a:t>
-            </a:r>
-            <a:r>
-              <a:rPr lang="ru-RU" dirty="0" smtClean="0"/>
-              <a:t>(</a:t>
+              <a:t>Полезная </a:t>
             </a:r>
             <a:r>
               <a:rPr lang="ru-RU" dirty="0" err="1" smtClean="0"/>
-              <a:t>экстра-бонусный</a:t>
-            </a:r>
-            <a:r>
-              <a:rPr lang="ru-RU" dirty="0" smtClean="0"/>
-              <a:t>)</a:t>
+              <a:t>инфа</a:t>
             </a:r>
             <a:endParaRPr lang="ru-RU" dirty="0"/>
           </a:p>
         </p:txBody>
       </p:sp>
-      <p:pic>
-        <p:nvPicPr>
-          <p:cNvPr id="13314" name="Picture 2"/>
-          <p:cNvPicPr>
-            <a:picLocks noChangeAspect="1" noChangeArrowheads="1"/>
-          </p:cNvPicPr>
+      <p:sp>
+        <p:nvSpPr>
+          <p:cNvPr id="10" name="TextBox 9"/>
+          <p:cNvSpPr txBox="1"/>
           <p:nvPr/>
-        </p:nvPicPr>
-        <p:blipFill>
-          <a:blip r:embed="rId2"/>
-          <a:srcRect/>
-          <a:stretch>
-            <a:fillRect/>
-          </a:stretch>
-        </p:blipFill>
-        <p:spPr bwMode="auto">
-          <a:xfrm>
-            <a:off x="1000101" y="3143248"/>
-            <a:ext cx="3643338" cy="1232404"/>
+        </p:nvSpPr>
+        <p:spPr>
+          <a:xfrm>
+            <a:off x="357158" y="1857364"/>
+            <a:ext cx="8572560" cy="4801314"/>
           </a:xfrm>
           <a:prstGeom prst="rect">
             <a:avLst/>
           </a:prstGeom>
           <a:noFill/>
-          <a:ln w="9525">
-            <a:noFill/>
-            <a:miter lim="800000"/>
-            <a:headEnd/>
-            <a:tailEnd/>
-          </a:ln>
-          <a:effectLst/>
-        </p:spPr>
-      </p:pic>
-      <p:sp>
-        <p:nvSpPr>
-          <p:cNvPr id="4" name="TextBox 3"/>
+        </p:spPr>
+        <p:txBody>
+          <a:bodyPr wrap="square" rtlCol="0">
+            <a:spAutoFit/>
+          </a:bodyPr>
+          <a:lstStyle/>
+          <a:p>
+            <a:pPr marL="457200" indent="-457200">
+              <a:buFont typeface="+mj-lt"/>
+              <a:buAutoNum type="arabicPeriod"/>
+            </a:pPr>
+            <a:r>
+              <a:rPr lang="en-US" dirty="0" err="1" smtClean="0"/>
+              <a:t>clover.coex.tech</a:t>
+            </a:r>
+            <a:r>
+              <a:rPr lang="en-US" dirty="0" smtClean="0"/>
+              <a:t> </a:t>
+            </a:r>
+            <a:r>
+              <a:rPr lang="ru-RU" dirty="0" smtClean="0"/>
+              <a:t>– документация клевера</a:t>
+            </a:r>
+          </a:p>
+          <a:p>
+            <a:pPr marL="457200" indent="-457200">
+              <a:buFont typeface="+mj-lt"/>
+              <a:buAutoNum type="arabicPeriod"/>
+            </a:pPr>
+            <a:r>
+              <a:rPr lang="ru-RU" dirty="0" smtClean="0"/>
+              <a:t>самые полезные разделы в документации клевера это </a:t>
+            </a:r>
+            <a:r>
+              <a:rPr lang="en-US" dirty="0" smtClean="0"/>
+              <a:t>“</a:t>
+            </a:r>
+            <a:r>
+              <a:rPr lang="ru-RU" dirty="0" smtClean="0"/>
+              <a:t>Работа с </a:t>
+            </a:r>
+            <a:r>
+              <a:rPr lang="en-US" dirty="0" smtClean="0"/>
+              <a:t>Raspberry PI”</a:t>
+            </a:r>
+            <a:r>
+              <a:rPr lang="ru-RU" dirty="0" smtClean="0"/>
+              <a:t>, </a:t>
+            </a:r>
+            <a:r>
+              <a:rPr lang="en-US" dirty="0" smtClean="0"/>
+              <a:t>“</a:t>
+            </a:r>
+            <a:r>
+              <a:rPr lang="ru-RU" dirty="0" smtClean="0"/>
+              <a:t>Гид по автономному полету</a:t>
+            </a:r>
+            <a:r>
+              <a:rPr lang="en-US" dirty="0" smtClean="0"/>
+              <a:t>”</a:t>
+            </a:r>
+            <a:r>
+              <a:rPr lang="ru-RU" dirty="0" smtClean="0"/>
+              <a:t> и </a:t>
+            </a:r>
+            <a:r>
+              <a:rPr lang="en-US" dirty="0" smtClean="0"/>
+              <a:t>“</a:t>
+            </a:r>
+            <a:r>
+              <a:rPr lang="ru-RU" dirty="0" smtClean="0"/>
+              <a:t>Настройка сети </a:t>
+            </a:r>
+            <a:r>
+              <a:rPr lang="en-US" dirty="0" smtClean="0"/>
+              <a:t>RPI”</a:t>
+            </a:r>
+            <a:endParaRPr lang="ru-RU" dirty="0" smtClean="0"/>
+          </a:p>
+          <a:p>
+            <a:pPr marL="457200" indent="-457200">
+              <a:buFont typeface="+mj-lt"/>
+              <a:buAutoNum type="arabicPeriod"/>
+            </a:pPr>
+            <a:r>
+              <a:rPr lang="en-US" dirty="0" smtClean="0">
+                <a:hlinkClick r:id="rId2"/>
+              </a:rPr>
+              <a:t>h</a:t>
+            </a:r>
+            <a:r>
+              <a:rPr lang="en-US" sz="1400" dirty="0" smtClean="0">
+                <a:hlinkClick r:id="rId2"/>
+              </a:rPr>
+              <a:t>ttps://github.com/CopterExpress/clever-show</a:t>
+            </a:r>
+            <a:r>
+              <a:rPr lang="en-US" sz="1400" dirty="0" smtClean="0"/>
+              <a:t>. </a:t>
+            </a:r>
+            <a:r>
+              <a:rPr lang="ru-RU" sz="1400" dirty="0" smtClean="0"/>
+              <a:t>- </a:t>
+            </a:r>
+            <a:r>
+              <a:rPr lang="ru-RU" dirty="0" smtClean="0"/>
+              <a:t>инструкция для шоу </a:t>
+            </a:r>
+            <a:r>
+              <a:rPr lang="ru-RU" dirty="0" err="1" smtClean="0"/>
+              <a:t>дронов</a:t>
+            </a:r>
+            <a:endParaRPr lang="ru-RU" dirty="0" smtClean="0"/>
+          </a:p>
+          <a:p>
+            <a:pPr marL="457200" indent="-457200">
+              <a:buFont typeface="+mj-lt"/>
+              <a:buAutoNum type="arabicPeriod"/>
+            </a:pPr>
+            <a:r>
+              <a:rPr lang="ru-RU" dirty="0" smtClean="0"/>
+              <a:t>пароль от </a:t>
+            </a:r>
+            <a:r>
+              <a:rPr lang="en-US" dirty="0" err="1" smtClean="0"/>
+              <a:t>wifi</a:t>
+            </a:r>
+            <a:r>
+              <a:rPr lang="ru-RU" dirty="0" smtClean="0"/>
+              <a:t> который раздает </a:t>
+            </a:r>
+            <a:r>
+              <a:rPr lang="en-US" dirty="0"/>
+              <a:t>Raspberry</a:t>
+            </a:r>
+            <a:r>
+              <a:rPr lang="ru-RU" dirty="0"/>
+              <a:t> </a:t>
+            </a:r>
+            <a:r>
+              <a:rPr lang="ru-RU" dirty="0" smtClean="0"/>
+              <a:t>– </a:t>
+            </a:r>
+            <a:r>
+              <a:rPr lang="en-US" dirty="0" err="1" smtClean="0"/>
+              <a:t>cloverwifi</a:t>
+            </a:r>
+            <a:endParaRPr lang="en-US" dirty="0" smtClean="0"/>
+          </a:p>
+          <a:p>
+            <a:pPr marL="457200" indent="-457200">
+              <a:buFont typeface="+mj-lt"/>
+              <a:buAutoNum type="arabicPeriod"/>
+            </a:pPr>
+            <a:r>
+              <a:rPr lang="ru-RU" dirty="0" smtClean="0"/>
+              <a:t>пароль от </a:t>
+            </a:r>
+            <a:r>
+              <a:rPr lang="en-US" dirty="0" smtClean="0"/>
+              <a:t>web </a:t>
+            </a:r>
+            <a:r>
+              <a:rPr lang="ru-RU" dirty="0" smtClean="0"/>
+              <a:t>терминала по умолчанию – </a:t>
+            </a:r>
+            <a:r>
+              <a:rPr lang="en-US" dirty="0" smtClean="0"/>
+              <a:t>raspberry</a:t>
+            </a:r>
+            <a:endParaRPr lang="ru-RU" dirty="0" smtClean="0"/>
+          </a:p>
+          <a:p>
+            <a:pPr marL="457200" indent="-457200">
+              <a:buFont typeface="+mj-lt"/>
+              <a:buAutoNum type="arabicPeriod"/>
+            </a:pPr>
+            <a:r>
+              <a:rPr lang="ru-RU" dirty="0" smtClean="0"/>
+              <a:t>команда </a:t>
+            </a:r>
+            <a:r>
+              <a:rPr lang="en-US" dirty="0" smtClean="0"/>
+              <a:t>windows</a:t>
+            </a:r>
+            <a:r>
+              <a:rPr lang="ru-RU" dirty="0" smtClean="0"/>
+              <a:t> для подключения по </a:t>
+            </a:r>
+            <a:r>
+              <a:rPr lang="en-US" dirty="0" smtClean="0"/>
+              <a:t>SSH:</a:t>
+            </a:r>
+            <a:r>
+              <a:rPr lang="ru-RU" dirty="0"/>
+              <a:t> </a:t>
+            </a:r>
+            <a:r>
+              <a:rPr lang="en-US" b="1" dirty="0" err="1" smtClean="0">
+                <a:latin typeface="Bahnschrift Light" pitchFamily="34" charset="0"/>
+              </a:rPr>
+              <a:t>ssh</a:t>
+            </a:r>
+            <a:r>
+              <a:rPr lang="en-US" b="1" dirty="0" smtClean="0">
+                <a:latin typeface="Bahnschrift Light" pitchFamily="34" charset="0"/>
+              </a:rPr>
+              <a:t> pi@</a:t>
+            </a:r>
+            <a:r>
+              <a:rPr lang="en-US" dirty="0" smtClean="0">
+                <a:latin typeface="Comic Sans MS" pitchFamily="66" charset="0"/>
+              </a:rPr>
+              <a:t>&lt;IP</a:t>
+            </a:r>
+            <a:r>
+              <a:rPr lang="ru-RU" dirty="0">
+                <a:latin typeface="Comic Sans MS" pitchFamily="66" charset="0"/>
+              </a:rPr>
+              <a:t> </a:t>
+            </a:r>
+            <a:r>
+              <a:rPr lang="ru-RU" dirty="0" smtClean="0">
+                <a:latin typeface="Comic Sans MS" pitchFamily="66" charset="0"/>
+              </a:rPr>
+              <a:t>устройства</a:t>
+            </a:r>
+            <a:r>
+              <a:rPr lang="en-US" dirty="0" smtClean="0">
+                <a:latin typeface="Comic Sans MS" pitchFamily="66" charset="0"/>
+              </a:rPr>
+              <a:t>&gt;</a:t>
+            </a:r>
+            <a:endParaRPr lang="ru-RU" dirty="0" smtClean="0">
+              <a:latin typeface="Comic Sans MS" pitchFamily="66" charset="0"/>
+            </a:endParaRPr>
+          </a:p>
+          <a:p>
+            <a:pPr marL="457200" indent="-457200">
+              <a:buFont typeface="+mj-lt"/>
+              <a:buAutoNum type="arabicPeriod"/>
+            </a:pPr>
+            <a:r>
+              <a:rPr lang="en-US" dirty="0" smtClean="0"/>
+              <a:t>IP</a:t>
+            </a:r>
+            <a:r>
+              <a:rPr lang="ru-RU" dirty="0" smtClean="0"/>
+              <a:t> </a:t>
+            </a:r>
+            <a:r>
+              <a:rPr lang="en-US" dirty="0" smtClean="0"/>
+              <a:t>Raspberry</a:t>
+            </a:r>
+            <a:r>
+              <a:rPr lang="ru-RU" dirty="0" smtClean="0"/>
+              <a:t> по умолчанию - 192.168.11.1</a:t>
+            </a:r>
+          </a:p>
+          <a:p>
+            <a:pPr marL="457200" indent="-457200">
+              <a:buFont typeface="+mj-lt"/>
+              <a:buAutoNum type="arabicPeriod"/>
+            </a:pPr>
+            <a:r>
+              <a:rPr lang="ru-RU" dirty="0" smtClean="0"/>
+              <a:t>команда для перезагрузки</a:t>
+            </a:r>
+            <a:r>
+              <a:rPr lang="en-US" dirty="0" smtClean="0"/>
+              <a:t> Raspberry: </a:t>
+            </a:r>
+            <a:r>
+              <a:rPr lang="en-US" b="1" dirty="0" err="1" smtClean="0">
+                <a:latin typeface="Bahnschrift Light" pitchFamily="34" charset="0"/>
+              </a:rPr>
+              <a:t>sudo</a:t>
+            </a:r>
+            <a:r>
+              <a:rPr lang="en-US" b="1" dirty="0" smtClean="0">
+                <a:latin typeface="Bahnschrift Light" pitchFamily="34" charset="0"/>
+              </a:rPr>
+              <a:t> reboot</a:t>
+            </a:r>
+            <a:endParaRPr lang="ru-RU" b="1" dirty="0" smtClean="0">
+              <a:latin typeface="Bahnschrift Light" pitchFamily="34" charset="0"/>
+            </a:endParaRPr>
+          </a:p>
+          <a:p>
+            <a:pPr marL="457200" indent="-457200">
+              <a:buFont typeface="+mj-lt"/>
+              <a:buAutoNum type="arabicPeriod"/>
+            </a:pPr>
+            <a:r>
+              <a:rPr lang="ru-RU" dirty="0" smtClean="0"/>
+              <a:t>для копирования файлов команда </a:t>
+            </a:r>
+            <a:r>
+              <a:rPr lang="en-US" dirty="0" err="1" smtClean="0"/>
+              <a:t>scp</a:t>
+            </a:r>
+            <a:r>
+              <a:rPr lang="ru-RU" dirty="0" smtClean="0"/>
+              <a:t> на </a:t>
+            </a:r>
+            <a:r>
+              <a:rPr lang="ru-RU" dirty="0" err="1" smtClean="0"/>
+              <a:t>виндовс</a:t>
+            </a:r>
+            <a:endParaRPr lang="ru-RU" dirty="0" smtClean="0"/>
+          </a:p>
+          <a:p>
+            <a:pPr marL="457200" indent="-457200">
+              <a:buFont typeface="+mj-lt"/>
+              <a:buAutoNum type="arabicPeriod"/>
+            </a:pPr>
+            <a:r>
+              <a:rPr lang="ru-RU" dirty="0" smtClean="0"/>
+              <a:t>путь к файлу для настройки выполнения команд при старте </a:t>
+            </a:r>
+            <a:r>
+              <a:rPr lang="en-US" sz="1400" dirty="0" smtClean="0"/>
+              <a:t>/home/pi/.</a:t>
+            </a:r>
+            <a:r>
+              <a:rPr lang="en-US" sz="1400" dirty="0" err="1" smtClean="0"/>
+              <a:t>bashrc</a:t>
+            </a:r>
+            <a:endParaRPr lang="ru-RU" dirty="0" smtClean="0"/>
+          </a:p>
+          <a:p>
+            <a:pPr marL="457200" indent="-457200">
+              <a:buFont typeface="+mj-lt"/>
+              <a:buAutoNum type="arabicPeriod"/>
+            </a:pPr>
+            <a:r>
+              <a:rPr lang="ru-RU" dirty="0" smtClean="0"/>
+              <a:t>путь до папки с конфигурациями </a:t>
+            </a:r>
+            <a:r>
+              <a:rPr lang="en-US" dirty="0" smtClean="0"/>
+              <a:t>launch</a:t>
+            </a:r>
+            <a:r>
+              <a:rPr lang="ru-RU" dirty="0" smtClean="0"/>
+              <a:t> - </a:t>
+            </a:r>
+            <a:r>
+              <a:rPr lang="en-US" sz="1400" dirty="0" smtClean="0">
+                <a:latin typeface="+mj-lt"/>
+              </a:rPr>
+              <a:t>/home/pi/</a:t>
+            </a:r>
+            <a:r>
+              <a:rPr lang="en-US" sz="1400" dirty="0" err="1" smtClean="0">
+                <a:latin typeface="+mj-lt"/>
+              </a:rPr>
+              <a:t>catkin_ws</a:t>
+            </a:r>
+            <a:r>
+              <a:rPr lang="en-US" sz="1400" dirty="0" smtClean="0">
+                <a:latin typeface="+mj-lt"/>
+              </a:rPr>
+              <a:t>/</a:t>
+            </a:r>
+            <a:r>
+              <a:rPr lang="en-US" sz="1400" dirty="0" err="1" smtClean="0">
+                <a:latin typeface="+mj-lt"/>
+              </a:rPr>
+              <a:t>src</a:t>
+            </a:r>
+            <a:r>
+              <a:rPr lang="en-US" sz="1400" dirty="0" smtClean="0">
+                <a:latin typeface="+mj-lt"/>
+              </a:rPr>
+              <a:t>/clover/clover/launch</a:t>
+            </a:r>
+            <a:endParaRPr lang="ru-RU" sz="1600" dirty="0">
+              <a:latin typeface="+mj-lt"/>
+            </a:endParaRPr>
+          </a:p>
+          <a:p>
+            <a:pPr marL="457200" indent="-457200">
+              <a:buFont typeface="+mj-lt"/>
+              <a:buAutoNum type="arabicPeriod"/>
+            </a:pPr>
+            <a:r>
+              <a:rPr lang="ru-RU" dirty="0" smtClean="0">
+                <a:latin typeface="+mj-lt"/>
+              </a:rPr>
+              <a:t>путь до файла-настройки режима подключения</a:t>
+            </a:r>
+            <a:r>
+              <a:rPr lang="ru-RU" dirty="0">
+                <a:latin typeface="+mj-lt"/>
+              </a:rPr>
+              <a:t> </a:t>
+            </a:r>
+            <a:r>
+              <a:rPr lang="ru-RU" dirty="0" smtClean="0">
+                <a:latin typeface="+mj-lt"/>
+              </a:rPr>
+              <a:t>- </a:t>
+            </a:r>
+            <a:r>
+              <a:rPr lang="en-US" sz="1400" dirty="0" smtClean="0"/>
+              <a:t>/etc/</a:t>
+            </a:r>
+            <a:r>
+              <a:rPr lang="en-US" sz="1400" dirty="0" err="1" smtClean="0"/>
+              <a:t>wpa_supplicant</a:t>
+            </a:r>
+            <a:r>
+              <a:rPr lang="en-US" sz="1400" dirty="0" smtClean="0"/>
+              <a:t>/</a:t>
+            </a:r>
+            <a:r>
+              <a:rPr lang="en-US" sz="1400" dirty="0" err="1" smtClean="0"/>
+              <a:t>wpa_supplicant.conf</a:t>
+            </a:r>
+            <a:endParaRPr lang="ru-RU" dirty="0" smtClean="0">
+              <a:latin typeface="+mj-lt"/>
+            </a:endParaRPr>
+          </a:p>
+          <a:p>
+            <a:pPr marL="457200" indent="-457200">
+              <a:buFont typeface="+mj-lt"/>
+              <a:buAutoNum type="arabicPeriod"/>
+            </a:pPr>
+            <a:r>
+              <a:rPr lang="ru-RU" dirty="0" smtClean="0">
+                <a:latin typeface="+mj-lt"/>
+              </a:rPr>
+              <a:t>команда для настройки </a:t>
+            </a:r>
+            <a:r>
+              <a:rPr lang="ru-RU" dirty="0" err="1" smtClean="0">
+                <a:latin typeface="+mj-lt"/>
+              </a:rPr>
+              <a:t>аруко</a:t>
+            </a:r>
+            <a:r>
+              <a:rPr lang="ru-RU" dirty="0" smtClean="0">
+                <a:latin typeface="+mj-lt"/>
+              </a:rPr>
+              <a:t> карты </a:t>
+            </a:r>
+            <a:r>
+              <a:rPr lang="ru-RU" dirty="0" err="1" smtClean="0">
+                <a:latin typeface="+mj-lt"/>
+              </a:rPr>
+              <a:t>дрона</a:t>
+            </a:r>
+            <a:r>
+              <a:rPr lang="en-US" dirty="0" smtClean="0">
+                <a:latin typeface="+mj-lt"/>
+              </a:rPr>
+              <a:t>:</a:t>
+            </a:r>
+            <a:endParaRPr lang="ru-RU" dirty="0" smtClean="0">
+              <a:latin typeface="+mj-lt"/>
+            </a:endParaRPr>
+          </a:p>
+          <a:p>
+            <a:pPr marL="457200" indent="-457200">
+              <a:buFont typeface="+mj-lt"/>
+              <a:buAutoNum type="arabicPeriod"/>
+            </a:pPr>
+            <a:endParaRPr lang="ru-RU" dirty="0" smtClean="0">
+              <a:latin typeface="+mj-lt"/>
+            </a:endParaRPr>
+          </a:p>
+          <a:p>
+            <a:r>
+              <a:rPr lang="en-US" dirty="0" smtClean="0"/>
+              <a:t/>
+            </a:r>
+            <a:br>
+              <a:rPr lang="en-US" dirty="0" smtClean="0"/>
+            </a:br>
+            <a:endParaRPr lang="ru-RU" dirty="0">
+              <a:latin typeface="+mj-lt"/>
+            </a:endParaRPr>
+          </a:p>
+        </p:txBody>
+      </p:sp>
+      <p:sp>
+        <p:nvSpPr>
+          <p:cNvPr id="5" name="TextBox 4"/>
           <p:cNvSpPr txBox="1"/>
           <p:nvPr/>
         </p:nvSpPr>
         <p:spPr>
           <a:xfrm>
-            <a:off x="857224" y="1928802"/>
-            <a:ext cx="8572560" cy="1169551"/>
+            <a:off x="0" y="5876528"/>
+            <a:ext cx="9297417" cy="338554"/>
           </a:xfrm>
           <a:prstGeom prst="rect">
             <a:avLst/>
           </a:prstGeom>
-          <a:noFill/>
+          <a:solidFill>
+            <a:schemeClr val="bg1">
+              <a:lumMod val="85000"/>
+            </a:schemeClr>
+          </a:solidFill>
         </p:spPr>
         <p:txBody>
           <a:bodyPr wrap="square" rtlCol="0">
@@ -6820,292 +7157,61 @@
           <a:lstStyle/>
           <a:p>
             <a:r>
-              <a:rPr lang="ru-RU" sz="1400" dirty="0" smtClean="0"/>
-              <a:t>Файловая система </a:t>
-            </a:r>
-            <a:r>
-              <a:rPr lang="en-US" sz="1400" dirty="0" smtClean="0"/>
-              <a:t>Raspberry</a:t>
-            </a:r>
-            <a:r>
-              <a:rPr lang="ru-RU" sz="1400" dirty="0"/>
+              <a:rPr lang="en-US" sz="1600" dirty="0" err="1" smtClean="0"/>
+              <a:t>rosrun</a:t>
+            </a:r>
+            <a:r>
+              <a:rPr lang="en-US" sz="1600" dirty="0" smtClean="0"/>
               <a:t> </a:t>
             </a:r>
             <a:r>
-              <a:rPr lang="ru-RU" sz="1400" dirty="0" smtClean="0"/>
-              <a:t>хранится на </a:t>
-            </a:r>
-            <a:r>
-              <a:rPr lang="ru-RU" sz="1400" dirty="0" err="1" smtClean="0"/>
-              <a:t>микроСД</a:t>
-            </a:r>
-            <a:r>
-              <a:rPr lang="ru-RU" sz="1400" dirty="0" smtClean="0"/>
-              <a:t>. </a:t>
-            </a:r>
-          </a:p>
-          <a:p>
-            <a:r>
-              <a:rPr lang="ru-RU" sz="1400" dirty="0" smtClean="0"/>
-              <a:t>когда образ загружен </a:t>
-            </a:r>
-            <a:r>
-              <a:rPr lang="ru-RU" sz="1400" dirty="0" err="1" smtClean="0"/>
-              <a:t>микроСД</a:t>
-            </a:r>
-            <a:r>
-              <a:rPr lang="ru-RU" sz="1400" dirty="0" smtClean="0"/>
-              <a:t> делится на два сегмента</a:t>
-            </a:r>
-            <a:r>
-              <a:rPr lang="en-US" sz="1400" dirty="0" smtClean="0"/>
-              <a:t>:</a:t>
-            </a:r>
-            <a:r>
-              <a:rPr lang="ru-RU" sz="1400" dirty="0" smtClean="0"/>
-              <a:t> </a:t>
-            </a:r>
-            <a:r>
-              <a:rPr lang="en-US" sz="1400" dirty="0" smtClean="0"/>
-              <a:t>boot </a:t>
-            </a:r>
-            <a:r>
-              <a:rPr lang="ru-RU" sz="1400" dirty="0" smtClean="0"/>
-              <a:t>и </a:t>
-            </a:r>
-            <a:r>
-              <a:rPr lang="en-US" sz="1400" dirty="0" err="1" smtClean="0"/>
-              <a:t>usb</a:t>
-            </a:r>
-            <a:r>
-              <a:rPr lang="en-US" sz="1400" dirty="0" smtClean="0"/>
-              <a:t>-</a:t>
-            </a:r>
-            <a:r>
-              <a:rPr lang="ru-RU" sz="1400" dirty="0" smtClean="0"/>
-              <a:t>накопитель.</a:t>
-            </a:r>
-            <a:endParaRPr lang="en-US" sz="1400" dirty="0" smtClean="0"/>
-          </a:p>
-          <a:p>
-            <a:r>
-              <a:rPr lang="ru-RU" sz="1400" dirty="0" smtClean="0"/>
-              <a:t>на </a:t>
-            </a:r>
-            <a:r>
-              <a:rPr lang="en-US" sz="1400" dirty="0" smtClean="0"/>
-              <a:t>boot </a:t>
-            </a:r>
-            <a:r>
-              <a:rPr lang="ru-RU" sz="1400" dirty="0" smtClean="0"/>
-              <a:t>нет ничего полезного.</a:t>
-            </a:r>
-          </a:p>
-          <a:p>
-            <a:r>
-              <a:rPr lang="ru-RU" sz="1400" dirty="0" smtClean="0"/>
-              <a:t>а на </a:t>
-            </a:r>
-            <a:r>
-              <a:rPr lang="en-US" sz="1400" dirty="0" err="1" smtClean="0"/>
-              <a:t>usb</a:t>
-            </a:r>
-            <a:r>
-              <a:rPr lang="en-US" sz="1400" dirty="0" smtClean="0"/>
-              <a:t>-</a:t>
-            </a:r>
-            <a:r>
-              <a:rPr lang="ru-RU" sz="1400" dirty="0" smtClean="0"/>
-              <a:t>накопителе хранится вся файловая система </a:t>
-            </a:r>
-            <a:r>
-              <a:rPr lang="en-US" sz="1400" dirty="0" smtClean="0"/>
-              <a:t>Raspberry</a:t>
-            </a:r>
-            <a:r>
-              <a:rPr lang="ru-RU" sz="1400" dirty="0" smtClean="0"/>
-              <a:t>.</a:t>
-            </a:r>
-          </a:p>
-          <a:p>
-            <a:r>
-              <a:rPr lang="ru-RU" sz="1400" dirty="0" smtClean="0"/>
-              <a:t>но открыть этот </a:t>
-            </a:r>
-            <a:r>
-              <a:rPr lang="en-US" sz="1400" dirty="0" err="1" smtClean="0"/>
-              <a:t>usb</a:t>
-            </a:r>
-            <a:r>
-              <a:rPr lang="en-US" sz="1400" dirty="0" smtClean="0"/>
-              <a:t>-</a:t>
-            </a:r>
-            <a:r>
-              <a:rPr lang="ru-RU" sz="1400" dirty="0" smtClean="0"/>
-              <a:t>накопитель на </a:t>
-            </a:r>
-            <a:r>
-              <a:rPr lang="en-US" sz="1400" dirty="0" smtClean="0"/>
-              <a:t>windows </a:t>
-            </a:r>
-            <a:r>
-              <a:rPr lang="ru-RU" sz="1400" dirty="0" smtClean="0"/>
-              <a:t>не возможно</a:t>
-            </a:r>
-            <a:endParaRPr lang="ru-RU" sz="1400" dirty="0"/>
-          </a:p>
-        </p:txBody>
-      </p:sp>
-      <p:sp>
-        <p:nvSpPr>
-          <p:cNvPr id="5" name="TextBox 4"/>
-          <p:cNvSpPr txBox="1"/>
-          <p:nvPr/>
-        </p:nvSpPr>
-        <p:spPr>
-          <a:xfrm>
-            <a:off x="785786" y="4572008"/>
-            <a:ext cx="8572560" cy="646331"/>
-          </a:xfrm>
-          <a:prstGeom prst="rect">
-            <a:avLst/>
-          </a:prstGeom>
-          <a:noFill/>
-        </p:spPr>
-        <p:txBody>
-          <a:bodyPr wrap="square" rtlCol="0">
-            <a:spAutoFit/>
-          </a:bodyPr>
-          <a:lstStyle/>
-          <a:p>
-            <a:r>
-              <a:rPr lang="ru-RU" dirty="0" smtClean="0"/>
-              <a:t>Чтобы открыть этот сегмент нужно открывать его через систему </a:t>
-            </a:r>
-            <a:r>
-              <a:rPr lang="ru-RU" dirty="0" err="1" smtClean="0"/>
-              <a:t>линукс</a:t>
-            </a:r>
-            <a:r>
-              <a:rPr lang="ru-RU" dirty="0" smtClean="0"/>
-              <a:t>. я воспользовался виртуальной машиной</a:t>
-            </a:r>
-            <a:r>
-              <a:rPr lang="en-US" dirty="0" smtClean="0"/>
-              <a:t> VMware</a:t>
-            </a:r>
-            <a:r>
-              <a:rPr lang="ru-RU" dirty="0" smtClean="0"/>
-              <a:t> – самый удобный вариант</a:t>
-            </a:r>
-            <a:endParaRPr lang="ru-RU" dirty="0"/>
-          </a:p>
-        </p:txBody>
-      </p:sp>
-      <p:pic>
-        <p:nvPicPr>
-          <p:cNvPr id="13316" name="Picture 4"/>
-          <p:cNvPicPr>
-            <a:picLocks noChangeAspect="1" noChangeArrowheads="1"/>
-          </p:cNvPicPr>
-          <p:nvPr/>
-        </p:nvPicPr>
-        <p:blipFill>
-          <a:blip r:embed="rId3"/>
-          <a:srcRect/>
-          <a:stretch>
-            <a:fillRect/>
-          </a:stretch>
-        </p:blipFill>
-        <p:spPr bwMode="auto">
-          <a:xfrm>
-            <a:off x="428596" y="5357826"/>
-            <a:ext cx="4039575" cy="1500174"/>
-          </a:xfrm>
-          <a:prstGeom prst="rect">
-            <a:avLst/>
-          </a:prstGeom>
-          <a:noFill/>
-          <a:ln w="9525">
-            <a:noFill/>
-            <a:miter lim="800000"/>
-            <a:headEnd/>
-            <a:tailEnd/>
-          </a:ln>
-          <a:effectLst/>
-        </p:spPr>
-      </p:pic>
-      <p:pic>
-        <p:nvPicPr>
-          <p:cNvPr id="13318" name="Picture 6"/>
-          <p:cNvPicPr>
-            <a:picLocks noChangeAspect="1" noChangeArrowheads="1"/>
-          </p:cNvPicPr>
-          <p:nvPr/>
-        </p:nvPicPr>
-        <p:blipFill>
-          <a:blip r:embed="rId4"/>
-          <a:srcRect/>
-          <a:stretch>
-            <a:fillRect/>
-          </a:stretch>
-        </p:blipFill>
-        <p:spPr bwMode="auto">
-          <a:xfrm>
-            <a:off x="4572000" y="5429264"/>
-            <a:ext cx="1571636" cy="1670338"/>
-          </a:xfrm>
-          <a:prstGeom prst="rect">
-            <a:avLst/>
-          </a:prstGeom>
-          <a:noFill/>
-          <a:ln w="9525">
-            <a:noFill/>
-            <a:miter lim="800000"/>
-            <a:headEnd/>
-            <a:tailEnd/>
-          </a:ln>
-          <a:effectLst/>
-        </p:spPr>
-      </p:pic>
-      <p:pic>
-        <p:nvPicPr>
-          <p:cNvPr id="13319" name="Picture 7"/>
-          <p:cNvPicPr>
-            <a:picLocks noChangeAspect="1" noChangeArrowheads="1"/>
-          </p:cNvPicPr>
-          <p:nvPr/>
-        </p:nvPicPr>
-        <p:blipFill>
-          <a:blip r:embed="rId5"/>
-          <a:srcRect/>
-          <a:stretch>
-            <a:fillRect/>
-          </a:stretch>
-        </p:blipFill>
-        <p:spPr bwMode="auto">
-          <a:xfrm>
-            <a:off x="6286512" y="5286388"/>
-            <a:ext cx="2219316" cy="1571612"/>
-          </a:xfrm>
-          <a:prstGeom prst="rect">
-            <a:avLst/>
-          </a:prstGeom>
-          <a:noFill/>
-          <a:ln w="9525">
-            <a:noFill/>
-            <a:miter lim="800000"/>
-            <a:headEnd/>
-            <a:tailEnd/>
-          </a:ln>
-          <a:effectLst/>
-        </p:spPr>
-      </p:pic>
+              <a:rPr lang="en-US" sz="1600" dirty="0" err="1" smtClean="0"/>
+              <a:t>aruco_pose</a:t>
+            </a:r>
+            <a:r>
+              <a:rPr lang="en-US" sz="1600" dirty="0" smtClean="0"/>
+              <a:t> genmap.py 0.335 10 10 1 1 0 &gt; ~/</a:t>
+            </a:r>
+            <a:r>
+              <a:rPr lang="en-US" sz="1600" dirty="0" err="1" smtClean="0"/>
+              <a:t>catkin_ws</a:t>
+            </a:r>
+            <a:r>
+              <a:rPr lang="en-US" sz="1600" dirty="0" smtClean="0"/>
+              <a:t>/</a:t>
+            </a:r>
+            <a:r>
+              <a:rPr lang="en-US" sz="1600" dirty="0" err="1" smtClean="0"/>
+              <a:t>src</a:t>
+            </a:r>
+            <a:r>
+              <a:rPr lang="en-US" sz="1600" dirty="0" smtClean="0"/>
+              <a:t>/clover/</a:t>
+            </a:r>
+            <a:r>
+              <a:rPr lang="en-US" sz="1600" dirty="0" err="1" smtClean="0"/>
+              <a:t>aruco_pose</a:t>
+            </a:r>
+            <a:r>
+              <a:rPr lang="en-US" sz="1600" dirty="0" smtClean="0"/>
+              <a:t>/map/map.txt --top-left</a:t>
+            </a:r>
+            <a:endParaRPr lang="ru-RU" sz="1600" dirty="0"/>
+          </a:p>
+        </p:txBody>
+      </p:sp>
     </p:spTree>
   </p:cSld>
   <p:clrMapOvr>
     <a:masterClrMapping/>
   </p:clrMapOvr>
+  <p:timing>
+    <p:tnLst>
+      <p:par>
+        <p:cTn id="1" dur="indefinite" restart="never" nodeType="tmRoot"/>
+      </p:par>
+    </p:tnLst>
+  </p:timing>
 </p:sld>
 </file>
 
@@ -7364,11 +7470,7 @@
             </a:r>
             <a:r>
               <a:rPr lang="ru-RU" sz="1400" dirty="0" smtClean="0"/>
-              <a:t>. ссылку на эту инструкцию можно найти в </a:t>
-            </a:r>
-            <a:r>
-              <a:rPr lang="ru-RU" sz="1400" dirty="0" smtClean="0"/>
-              <a:t>документации </a:t>
+              <a:t>. ссылку на эту инструкцию можно найти в документации </a:t>
             </a:r>
             <a:r>
               <a:rPr lang="en-US" sz="1400" dirty="0" err="1" smtClean="0"/>
@@ -7426,645 +7528,6 @@
   <p:clrMapOvr>
     <a:masterClrMapping/>
   </p:clrMapOvr>
-</p:sld>
-</file>
-
-<file path=ppt/slides/slide20.xml><?xml version="1.0" encoding="utf-8"?>
-<p:sld xmlns:a="http://schemas.openxmlformats.org/drawingml/2006/main" xmlns:r="http://schemas.openxmlformats.org/officeDocument/2006/relationships" xmlns:p="http://schemas.openxmlformats.org/presentationml/2006/main">
-  <p:cSld>
-    <p:spTree>
-      <p:nvGrpSpPr>
-        <p:cNvPr id="1" name=""/>
-        <p:cNvGrpSpPr/>
-        <p:nvPr/>
-      </p:nvGrpSpPr>
-      <p:grpSpPr>
-        <a:xfrm>
-          <a:off x="0" y="0"/>
-          <a:ext cx="0" cy="0"/>
-          <a:chOff x="0" y="0"/>
-          <a:chExt cx="0" cy="0"/>
-        </a:xfrm>
-      </p:grpSpPr>
-      <p:sp>
-        <p:nvSpPr>
-          <p:cNvPr id="2" name="Заголовок 1"/>
-          <p:cNvSpPr>
-            <a:spLocks noGrp="1"/>
-          </p:cNvSpPr>
-          <p:nvPr>
-            <p:ph type="ctrTitle"/>
-          </p:nvPr>
-        </p:nvSpPr>
-        <p:spPr>
-          <a:xfrm>
-            <a:off x="-142908" y="280902"/>
-            <a:ext cx="9429816" cy="1470025"/>
-          </a:xfrm>
-        </p:spPr>
-        <p:txBody>
-          <a:bodyPr/>
-          <a:lstStyle/>
-          <a:p>
-            <a:r>
-              <a:rPr lang="ru-RU" dirty="0" smtClean="0"/>
-              <a:t>Полезная </a:t>
-            </a:r>
-            <a:r>
-              <a:rPr lang="ru-RU" dirty="0" err="1" smtClean="0"/>
-              <a:t>инфа</a:t>
-            </a:r>
-            <a:endParaRPr lang="ru-RU" dirty="0"/>
-          </a:p>
-        </p:txBody>
-      </p:sp>
-      <p:sp>
-        <p:nvSpPr>
-          <p:cNvPr id="10" name="TextBox 9"/>
-          <p:cNvSpPr txBox="1"/>
-          <p:nvPr/>
-        </p:nvSpPr>
-        <p:spPr>
-          <a:xfrm>
-            <a:off x="357158" y="1857364"/>
-            <a:ext cx="8572560" cy="4801314"/>
-          </a:xfrm>
-          <a:prstGeom prst="rect">
-            <a:avLst/>
-          </a:prstGeom>
-          <a:noFill/>
-        </p:spPr>
-        <p:txBody>
-          <a:bodyPr wrap="square" rtlCol="0">
-            <a:spAutoFit/>
-          </a:bodyPr>
-          <a:lstStyle/>
-          <a:p>
-            <a:pPr marL="457200" indent="-457200">
-              <a:buFont typeface="+mj-lt"/>
-              <a:buAutoNum type="arabicPeriod"/>
-            </a:pPr>
-            <a:r>
-              <a:rPr lang="en-US" dirty="0" err="1" smtClean="0"/>
-              <a:t>clover.coex.tech</a:t>
-            </a:r>
-            <a:r>
-              <a:rPr lang="en-US" dirty="0" smtClean="0"/>
-              <a:t> </a:t>
-            </a:r>
-            <a:r>
-              <a:rPr lang="ru-RU" dirty="0" smtClean="0"/>
-              <a:t>– документация клевера</a:t>
-            </a:r>
-          </a:p>
-          <a:p>
-            <a:pPr marL="457200" indent="-457200">
-              <a:buFont typeface="+mj-lt"/>
-              <a:buAutoNum type="arabicPeriod"/>
-            </a:pPr>
-            <a:r>
-              <a:rPr lang="ru-RU" dirty="0" smtClean="0"/>
-              <a:t>самые полезные разделы в документации клевера это </a:t>
-            </a:r>
-            <a:r>
-              <a:rPr lang="en-US" dirty="0" smtClean="0"/>
-              <a:t>“</a:t>
-            </a:r>
-            <a:r>
-              <a:rPr lang="ru-RU" dirty="0" smtClean="0"/>
-              <a:t>Работа с </a:t>
-            </a:r>
-            <a:r>
-              <a:rPr lang="en-US" dirty="0" smtClean="0"/>
-              <a:t>Raspberry PI”</a:t>
-            </a:r>
-            <a:r>
-              <a:rPr lang="ru-RU" dirty="0" smtClean="0"/>
-              <a:t>, </a:t>
-            </a:r>
-            <a:r>
-              <a:rPr lang="en-US" dirty="0" smtClean="0"/>
-              <a:t>“</a:t>
-            </a:r>
-            <a:r>
-              <a:rPr lang="ru-RU" dirty="0" smtClean="0"/>
-              <a:t>Гид по автономному полету</a:t>
-            </a:r>
-            <a:r>
-              <a:rPr lang="en-US" dirty="0" smtClean="0"/>
-              <a:t>”</a:t>
-            </a:r>
-            <a:r>
-              <a:rPr lang="ru-RU" dirty="0" smtClean="0"/>
-              <a:t> и </a:t>
-            </a:r>
-            <a:r>
-              <a:rPr lang="en-US" dirty="0" smtClean="0"/>
-              <a:t>“</a:t>
-            </a:r>
-            <a:r>
-              <a:rPr lang="ru-RU" dirty="0" smtClean="0"/>
-              <a:t>Настройка сети </a:t>
-            </a:r>
-            <a:r>
-              <a:rPr lang="en-US" dirty="0" smtClean="0"/>
-              <a:t>RPI”</a:t>
-            </a:r>
-            <a:endParaRPr lang="ru-RU" dirty="0" smtClean="0"/>
-          </a:p>
-          <a:p>
-            <a:pPr marL="457200" indent="-457200">
-              <a:buFont typeface="+mj-lt"/>
-              <a:buAutoNum type="arabicPeriod"/>
-            </a:pPr>
-            <a:r>
-              <a:rPr lang="en-US" dirty="0" smtClean="0">
-                <a:hlinkClick r:id="rId2"/>
-              </a:rPr>
-              <a:t>h</a:t>
-            </a:r>
-            <a:r>
-              <a:rPr lang="en-US" sz="1400" dirty="0" smtClean="0">
-                <a:hlinkClick r:id="rId2"/>
-              </a:rPr>
-              <a:t>ttps://github.com/CopterExpress/clever-show</a:t>
-            </a:r>
-            <a:r>
-              <a:rPr lang="en-US" sz="1400" dirty="0" smtClean="0"/>
-              <a:t>. </a:t>
-            </a:r>
-            <a:r>
-              <a:rPr lang="ru-RU" sz="1400" dirty="0" smtClean="0"/>
-              <a:t>- </a:t>
-            </a:r>
-            <a:r>
-              <a:rPr lang="ru-RU" dirty="0" smtClean="0"/>
-              <a:t>инструкция для шоу </a:t>
-            </a:r>
-            <a:r>
-              <a:rPr lang="ru-RU" dirty="0" err="1" smtClean="0"/>
-              <a:t>дронов</a:t>
-            </a:r>
-            <a:endParaRPr lang="ru-RU" dirty="0" smtClean="0"/>
-          </a:p>
-          <a:p>
-            <a:pPr marL="457200" indent="-457200">
-              <a:buFont typeface="+mj-lt"/>
-              <a:buAutoNum type="arabicPeriod"/>
-            </a:pPr>
-            <a:r>
-              <a:rPr lang="ru-RU" dirty="0" smtClean="0"/>
-              <a:t>пароль от </a:t>
-            </a:r>
-            <a:r>
-              <a:rPr lang="en-US" dirty="0" err="1" smtClean="0"/>
-              <a:t>wifi</a:t>
-            </a:r>
-            <a:r>
-              <a:rPr lang="ru-RU" dirty="0" smtClean="0"/>
-              <a:t> который раздает </a:t>
-            </a:r>
-            <a:r>
-              <a:rPr lang="en-US" dirty="0"/>
-              <a:t>Raspberry</a:t>
-            </a:r>
-            <a:r>
-              <a:rPr lang="ru-RU" dirty="0"/>
-              <a:t> </a:t>
-            </a:r>
-            <a:r>
-              <a:rPr lang="ru-RU" dirty="0" smtClean="0"/>
-              <a:t>– </a:t>
-            </a:r>
-            <a:r>
-              <a:rPr lang="en-US" dirty="0" err="1" smtClean="0"/>
-              <a:t>cloverwifi</a:t>
-            </a:r>
-            <a:endParaRPr lang="en-US" dirty="0" smtClean="0"/>
-          </a:p>
-          <a:p>
-            <a:pPr marL="457200" indent="-457200">
-              <a:buFont typeface="+mj-lt"/>
-              <a:buAutoNum type="arabicPeriod"/>
-            </a:pPr>
-            <a:r>
-              <a:rPr lang="ru-RU" dirty="0" smtClean="0"/>
-              <a:t>пароль от </a:t>
-            </a:r>
-            <a:r>
-              <a:rPr lang="en-US" dirty="0" smtClean="0"/>
-              <a:t>web </a:t>
-            </a:r>
-            <a:r>
-              <a:rPr lang="ru-RU" dirty="0" smtClean="0"/>
-              <a:t>терминала по умолчанию – </a:t>
-            </a:r>
-            <a:r>
-              <a:rPr lang="en-US" dirty="0" smtClean="0"/>
-              <a:t>raspberry</a:t>
-            </a:r>
-            <a:endParaRPr lang="ru-RU" dirty="0" smtClean="0"/>
-          </a:p>
-          <a:p>
-            <a:pPr marL="457200" indent="-457200">
-              <a:buFont typeface="+mj-lt"/>
-              <a:buAutoNum type="arabicPeriod"/>
-            </a:pPr>
-            <a:r>
-              <a:rPr lang="ru-RU" dirty="0" smtClean="0"/>
-              <a:t>команда </a:t>
-            </a:r>
-            <a:r>
-              <a:rPr lang="en-US" dirty="0" smtClean="0"/>
-              <a:t>windows</a:t>
-            </a:r>
-            <a:r>
-              <a:rPr lang="ru-RU" dirty="0" smtClean="0"/>
-              <a:t> для подключения по </a:t>
-            </a:r>
-            <a:r>
-              <a:rPr lang="en-US" dirty="0" smtClean="0"/>
-              <a:t>SSH:</a:t>
-            </a:r>
-            <a:r>
-              <a:rPr lang="ru-RU" dirty="0"/>
-              <a:t> </a:t>
-            </a:r>
-            <a:r>
-              <a:rPr lang="en-US" b="1" dirty="0" err="1" smtClean="0">
-                <a:latin typeface="Bahnschrift Light" pitchFamily="34" charset="0"/>
-              </a:rPr>
-              <a:t>ssh</a:t>
-            </a:r>
-            <a:r>
-              <a:rPr lang="en-US" b="1" dirty="0" smtClean="0">
-                <a:latin typeface="Bahnschrift Light" pitchFamily="34" charset="0"/>
-              </a:rPr>
-              <a:t> pi@</a:t>
-            </a:r>
-            <a:r>
-              <a:rPr lang="en-US" dirty="0" smtClean="0">
-                <a:latin typeface="Comic Sans MS" pitchFamily="66" charset="0"/>
-              </a:rPr>
-              <a:t>&lt;IP</a:t>
-            </a:r>
-            <a:r>
-              <a:rPr lang="ru-RU" dirty="0">
-                <a:latin typeface="Comic Sans MS" pitchFamily="66" charset="0"/>
-              </a:rPr>
-              <a:t> </a:t>
-            </a:r>
-            <a:r>
-              <a:rPr lang="ru-RU" dirty="0" smtClean="0">
-                <a:latin typeface="Comic Sans MS" pitchFamily="66" charset="0"/>
-              </a:rPr>
-              <a:t>устройства</a:t>
-            </a:r>
-            <a:r>
-              <a:rPr lang="en-US" dirty="0" smtClean="0">
-                <a:latin typeface="Comic Sans MS" pitchFamily="66" charset="0"/>
-              </a:rPr>
-              <a:t>&gt;</a:t>
-            </a:r>
-            <a:endParaRPr lang="ru-RU" dirty="0" smtClean="0">
-              <a:latin typeface="Comic Sans MS" pitchFamily="66" charset="0"/>
-            </a:endParaRPr>
-          </a:p>
-          <a:p>
-            <a:pPr marL="457200" indent="-457200">
-              <a:buFont typeface="+mj-lt"/>
-              <a:buAutoNum type="arabicPeriod"/>
-            </a:pPr>
-            <a:r>
-              <a:rPr lang="en-US" dirty="0" smtClean="0"/>
-              <a:t>IP</a:t>
-            </a:r>
-            <a:r>
-              <a:rPr lang="ru-RU" dirty="0" smtClean="0"/>
-              <a:t> </a:t>
-            </a:r>
-            <a:r>
-              <a:rPr lang="en-US" dirty="0" smtClean="0"/>
-              <a:t>Raspberry</a:t>
-            </a:r>
-            <a:r>
-              <a:rPr lang="ru-RU" dirty="0" smtClean="0"/>
-              <a:t> </a:t>
-            </a:r>
-            <a:r>
-              <a:rPr lang="ru-RU" dirty="0" smtClean="0"/>
-              <a:t>по умолчанию - 192.168.11.1</a:t>
-            </a:r>
-          </a:p>
-          <a:p>
-            <a:pPr marL="457200" indent="-457200">
-              <a:buFont typeface="+mj-lt"/>
-              <a:buAutoNum type="arabicPeriod"/>
-            </a:pPr>
-            <a:r>
-              <a:rPr lang="ru-RU" dirty="0" smtClean="0"/>
-              <a:t>команда для перезагрузки</a:t>
-            </a:r>
-            <a:r>
-              <a:rPr lang="en-US" dirty="0" smtClean="0"/>
-              <a:t> Raspberry: </a:t>
-            </a:r>
-            <a:r>
-              <a:rPr lang="en-US" b="1" dirty="0" err="1" smtClean="0">
-                <a:latin typeface="Bahnschrift Light" pitchFamily="34" charset="0"/>
-              </a:rPr>
-              <a:t>sudo</a:t>
-            </a:r>
-            <a:r>
-              <a:rPr lang="en-US" b="1" dirty="0" smtClean="0">
-                <a:latin typeface="Bahnschrift Light" pitchFamily="34" charset="0"/>
-              </a:rPr>
-              <a:t> reboot</a:t>
-            </a:r>
-            <a:endParaRPr lang="ru-RU" b="1" dirty="0" smtClean="0">
-              <a:latin typeface="Bahnschrift Light" pitchFamily="34" charset="0"/>
-            </a:endParaRPr>
-          </a:p>
-          <a:p>
-            <a:pPr marL="457200" indent="-457200">
-              <a:buFont typeface="+mj-lt"/>
-              <a:buAutoNum type="arabicPeriod"/>
-            </a:pPr>
-            <a:r>
-              <a:rPr lang="ru-RU" dirty="0" smtClean="0"/>
-              <a:t>для копирования файлов команда </a:t>
-            </a:r>
-            <a:r>
-              <a:rPr lang="en-US" dirty="0" err="1" smtClean="0"/>
-              <a:t>scp</a:t>
-            </a:r>
-            <a:r>
-              <a:rPr lang="ru-RU" dirty="0" smtClean="0"/>
-              <a:t> на </a:t>
-            </a:r>
-            <a:r>
-              <a:rPr lang="ru-RU" dirty="0" err="1" smtClean="0"/>
-              <a:t>виндовс</a:t>
-            </a:r>
-            <a:endParaRPr lang="ru-RU" dirty="0" smtClean="0"/>
-          </a:p>
-          <a:p>
-            <a:pPr marL="457200" indent="-457200">
-              <a:buFont typeface="+mj-lt"/>
-              <a:buAutoNum type="arabicPeriod"/>
-            </a:pPr>
-            <a:r>
-              <a:rPr lang="ru-RU" dirty="0" smtClean="0"/>
-              <a:t>путь к файлу для настройки выполнения команд при старте </a:t>
-            </a:r>
-            <a:r>
-              <a:rPr lang="en-US" sz="1400" dirty="0" smtClean="0"/>
-              <a:t>/home/pi/.</a:t>
-            </a:r>
-            <a:r>
-              <a:rPr lang="en-US" sz="1400" dirty="0" err="1" smtClean="0"/>
-              <a:t>bashrc</a:t>
-            </a:r>
-            <a:endParaRPr lang="ru-RU" dirty="0" smtClean="0"/>
-          </a:p>
-          <a:p>
-            <a:pPr marL="457200" indent="-457200">
-              <a:buFont typeface="+mj-lt"/>
-              <a:buAutoNum type="arabicPeriod"/>
-            </a:pPr>
-            <a:r>
-              <a:rPr lang="ru-RU" dirty="0" smtClean="0"/>
-              <a:t>путь до папки с конфигурациями </a:t>
-            </a:r>
-            <a:r>
-              <a:rPr lang="en-US" dirty="0" smtClean="0"/>
-              <a:t>launch</a:t>
-            </a:r>
-            <a:r>
-              <a:rPr lang="ru-RU" dirty="0" smtClean="0"/>
-              <a:t> - </a:t>
-            </a:r>
-            <a:r>
-              <a:rPr lang="en-US" sz="1400" dirty="0" smtClean="0">
-                <a:latin typeface="+mj-lt"/>
-              </a:rPr>
-              <a:t>/home/pi/</a:t>
-            </a:r>
-            <a:r>
-              <a:rPr lang="en-US" sz="1400" dirty="0" err="1" smtClean="0">
-                <a:latin typeface="+mj-lt"/>
-              </a:rPr>
-              <a:t>catkin_ws</a:t>
-            </a:r>
-            <a:r>
-              <a:rPr lang="en-US" sz="1400" dirty="0" smtClean="0">
-                <a:latin typeface="+mj-lt"/>
-              </a:rPr>
-              <a:t>/</a:t>
-            </a:r>
-            <a:r>
-              <a:rPr lang="en-US" sz="1400" dirty="0" err="1" smtClean="0">
-                <a:latin typeface="+mj-lt"/>
-              </a:rPr>
-              <a:t>src</a:t>
-            </a:r>
-            <a:r>
-              <a:rPr lang="en-US" sz="1400" dirty="0" smtClean="0">
-                <a:latin typeface="+mj-lt"/>
-              </a:rPr>
-              <a:t>/clover/clover/launch</a:t>
-            </a:r>
-            <a:endParaRPr lang="ru-RU" sz="1600" dirty="0">
-              <a:latin typeface="+mj-lt"/>
-            </a:endParaRPr>
-          </a:p>
-          <a:p>
-            <a:pPr marL="457200" indent="-457200">
-              <a:buFont typeface="+mj-lt"/>
-              <a:buAutoNum type="arabicPeriod"/>
-            </a:pPr>
-            <a:r>
-              <a:rPr lang="ru-RU" dirty="0" smtClean="0">
-                <a:latin typeface="+mj-lt"/>
-              </a:rPr>
-              <a:t>путь до файла-настройки режима подключения</a:t>
-            </a:r>
-            <a:r>
-              <a:rPr lang="ru-RU" dirty="0">
-                <a:latin typeface="+mj-lt"/>
-              </a:rPr>
-              <a:t> </a:t>
-            </a:r>
-            <a:r>
-              <a:rPr lang="ru-RU" dirty="0" smtClean="0">
-                <a:latin typeface="+mj-lt"/>
-              </a:rPr>
-              <a:t>- </a:t>
-            </a:r>
-            <a:r>
-              <a:rPr lang="en-US" sz="1400" dirty="0" smtClean="0"/>
-              <a:t>/etc/</a:t>
-            </a:r>
-            <a:r>
-              <a:rPr lang="en-US" sz="1400" dirty="0" err="1" smtClean="0"/>
-              <a:t>wpa_supplicant</a:t>
-            </a:r>
-            <a:r>
-              <a:rPr lang="en-US" sz="1400" dirty="0" smtClean="0"/>
-              <a:t>/</a:t>
-            </a:r>
-            <a:r>
-              <a:rPr lang="en-US" sz="1400" dirty="0" err="1" smtClean="0"/>
-              <a:t>wpa_supplicant.conf</a:t>
-            </a:r>
-            <a:endParaRPr lang="ru-RU" dirty="0" smtClean="0">
-              <a:latin typeface="+mj-lt"/>
-            </a:endParaRPr>
-          </a:p>
-          <a:p>
-            <a:pPr marL="457200" indent="-457200">
-              <a:buFont typeface="+mj-lt"/>
-              <a:buAutoNum type="arabicPeriod"/>
-            </a:pPr>
-            <a:r>
-              <a:rPr lang="ru-RU" dirty="0" smtClean="0">
-                <a:latin typeface="+mj-lt"/>
-              </a:rPr>
-              <a:t>команда для настройки </a:t>
-            </a:r>
-            <a:r>
-              <a:rPr lang="ru-RU" dirty="0" err="1" smtClean="0">
-                <a:latin typeface="+mj-lt"/>
-              </a:rPr>
-              <a:t>аруко</a:t>
-            </a:r>
-            <a:r>
-              <a:rPr lang="ru-RU" dirty="0" smtClean="0">
-                <a:latin typeface="+mj-lt"/>
-              </a:rPr>
-              <a:t> карты </a:t>
-            </a:r>
-            <a:r>
-              <a:rPr lang="ru-RU" dirty="0" err="1" smtClean="0">
-                <a:latin typeface="+mj-lt"/>
-              </a:rPr>
-              <a:t>дрона</a:t>
-            </a:r>
-            <a:r>
-              <a:rPr lang="en-US" dirty="0" smtClean="0">
-                <a:latin typeface="+mj-lt"/>
-              </a:rPr>
-              <a:t>:</a:t>
-            </a:r>
-            <a:endParaRPr lang="ru-RU" dirty="0" smtClean="0">
-              <a:latin typeface="+mj-lt"/>
-            </a:endParaRPr>
-          </a:p>
-          <a:p>
-            <a:pPr marL="457200" indent="-457200">
-              <a:buFont typeface="+mj-lt"/>
-              <a:buAutoNum type="arabicPeriod"/>
-            </a:pPr>
-            <a:endParaRPr lang="ru-RU" dirty="0" smtClean="0">
-              <a:latin typeface="+mj-lt"/>
-            </a:endParaRPr>
-          </a:p>
-          <a:p>
-            <a:r>
-              <a:rPr lang="en-US" dirty="0" smtClean="0"/>
-              <a:t/>
-            </a:r>
-            <a:br>
-              <a:rPr lang="en-US" dirty="0" smtClean="0"/>
-            </a:br>
-            <a:endParaRPr lang="ru-RU" dirty="0">
-              <a:latin typeface="+mj-lt"/>
-            </a:endParaRPr>
-          </a:p>
-        </p:txBody>
-      </p:sp>
-      <p:sp>
-        <p:nvSpPr>
-          <p:cNvPr id="5" name="TextBox 4"/>
-          <p:cNvSpPr txBox="1"/>
-          <p:nvPr/>
-        </p:nvSpPr>
-        <p:spPr>
-          <a:xfrm>
-            <a:off x="0" y="5876528"/>
-            <a:ext cx="9297417" cy="338554"/>
-          </a:xfrm>
-          <a:prstGeom prst="rect">
-            <a:avLst/>
-          </a:prstGeom>
-          <a:solidFill>
-            <a:schemeClr val="bg1">
-              <a:lumMod val="85000"/>
-            </a:schemeClr>
-          </a:solidFill>
-        </p:spPr>
-        <p:txBody>
-          <a:bodyPr wrap="square" rtlCol="0">
-            <a:spAutoFit/>
-          </a:bodyPr>
-          <a:lstStyle/>
-          <a:p>
-            <a:r>
-              <a:rPr lang="en-US" sz="1600" dirty="0" err="1" smtClean="0"/>
-              <a:t>rosrun</a:t>
-            </a:r>
-            <a:r>
-              <a:rPr lang="en-US" sz="1600" dirty="0" smtClean="0"/>
-              <a:t> </a:t>
-            </a:r>
-            <a:r>
-              <a:rPr lang="en-US" sz="1600" dirty="0" err="1" smtClean="0"/>
-              <a:t>aruco_pose</a:t>
-            </a:r>
-            <a:r>
-              <a:rPr lang="en-US" sz="1600" dirty="0" smtClean="0"/>
-              <a:t> genmap.py 0.335 10 10 1 1 0 &gt; ~/</a:t>
-            </a:r>
-            <a:r>
-              <a:rPr lang="en-US" sz="1600" dirty="0" err="1" smtClean="0"/>
-              <a:t>catkin_ws</a:t>
-            </a:r>
-            <a:r>
-              <a:rPr lang="en-US" sz="1600" dirty="0" smtClean="0"/>
-              <a:t>/</a:t>
-            </a:r>
-            <a:r>
-              <a:rPr lang="en-US" sz="1600" dirty="0" err="1" smtClean="0"/>
-              <a:t>src</a:t>
-            </a:r>
-            <a:r>
-              <a:rPr lang="en-US" sz="1600" dirty="0" smtClean="0"/>
-              <a:t>/clover/</a:t>
-            </a:r>
-            <a:r>
-              <a:rPr lang="en-US" sz="1600" dirty="0" err="1" smtClean="0"/>
-              <a:t>aruco_pose</a:t>
-            </a:r>
-            <a:r>
-              <a:rPr lang="en-US" sz="1600" dirty="0" smtClean="0"/>
-              <a:t>/map/map.txt --top-left</a:t>
-            </a:r>
-            <a:endParaRPr lang="ru-RU" sz="1600" dirty="0"/>
-          </a:p>
-        </p:txBody>
-      </p:sp>
-    </p:spTree>
-  </p:cSld>
-  <p:clrMapOvr>
-    <a:masterClrMapping/>
-  </p:clrMapOvr>
-  <p:timing>
-    <p:tnLst>
-      <p:par>
-        <p:cTn id="1" dur="indefinite" restart="never" nodeType="tmRoot"/>
-      </p:par>
-    </p:tnLst>
-  </p:timing>
 </p:sld>
 </file>
 
@@ -8266,7 +7729,6 @@
               <a:rPr lang="ru-RU" sz="2000" dirty="0" smtClean="0"/>
               <a:t> </a:t>
             </a:r>
-            <a:endParaRPr lang="ru-RU" sz="2000" dirty="0" smtClean="0"/>
           </a:p>
           <a:p>
             <a:pPr marL="457200" indent="-457200">
@@ -8649,7 +8111,11 @@
             </a:r>
             <a:r>
               <a:rPr lang="ru-RU" sz="2000" dirty="0" smtClean="0"/>
-              <a:t> 192.168.1</a:t>
+              <a:t> </a:t>
+            </a:r>
+            <a:r>
+              <a:rPr lang="ru-RU" sz="2000" dirty="0" smtClean="0"/>
+              <a:t>192.168.11.1</a:t>
             </a:r>
             <a:endParaRPr lang="en-US" sz="2000" b="1" dirty="0"/>
           </a:p>
@@ -9617,11 +9083,7 @@
             </a:r>
             <a:r>
               <a:rPr lang="en-US" dirty="0" err="1" smtClean="0"/>
-              <a:t>main_camera</a:t>
-            </a:r>
-            <a:r>
-              <a:rPr lang="en-US" dirty="0" err="1" smtClean="0"/>
-              <a:t>.launch</a:t>
+              <a:t>main_camera.launch</a:t>
             </a:r>
             <a:r>
               <a:rPr lang="en-US" dirty="0" smtClean="0"/>
@@ -9792,25 +9254,13 @@
             </a:r>
             <a:r>
               <a:rPr lang="ru-RU" sz="2000" b="1" dirty="0" smtClean="0"/>
-              <a:t> ничего из этого не настраивать</a:t>
-            </a:r>
-            <a:r>
-              <a:rPr lang="ru-RU" sz="2000" b="1" dirty="0" smtClean="0"/>
-              <a:t>!</a:t>
-            </a:r>
-          </a:p>
-          <a:p>
-            <a:r>
-              <a:rPr lang="ru-RU" dirty="0" smtClean="0"/>
-              <a:t>наверняка там понадобится настраивать коэффициенты перемещения, но </a:t>
-            </a:r>
-            <a:r>
-              <a:rPr lang="ru-RU" dirty="0" smtClean="0"/>
-              <a:t>с этим я </a:t>
-            </a:r>
-            <a:r>
-              <a:rPr lang="ru-RU" dirty="0" smtClean="0"/>
-              <a:t>не помогу, разбирайся на месте.</a:t>
+              <a:t> ничего из этого не настраивать!</a:t>
+            </a:r>
+          </a:p>
+          <a:p>
+            <a:r>
+              <a:rPr lang="ru-RU" dirty="0" smtClean="0"/>
+              <a:t>наверняка там понадобится настраивать коэффициенты перемещения, но с этим я не помогу, разбирайся на месте.</a:t>
             </a:r>
           </a:p>
         </p:txBody>

--- a/Инструкция по настройке и связыванию RaspberryPI.pptx
+++ b/Инструкция по настройке и связыванию RaspberryPI.pptx
@@ -307,7 +307,7 @@
             <a:fld id="{BADC7417-EAE3-4D01-9D28-EBC1FCD98ADB}" type="datetimeFigureOut">
               <a:rPr lang="ru-RU" smtClean="0"/>
               <a:pPr/>
-              <a:t>04.02.2026</a:t>
+              <a:t>06.02.2026</a:t>
             </a:fld>
             <a:endParaRPr lang="ru-RU"/>
           </a:p>
@@ -474,7 +474,7 @@
             <a:fld id="{BADC7417-EAE3-4D01-9D28-EBC1FCD98ADB}" type="datetimeFigureOut">
               <a:rPr lang="ru-RU" smtClean="0"/>
               <a:pPr/>
-              <a:t>04.02.2026</a:t>
+              <a:t>06.02.2026</a:t>
             </a:fld>
             <a:endParaRPr lang="ru-RU"/>
           </a:p>
@@ -651,7 +651,7 @@
             <a:fld id="{BADC7417-EAE3-4D01-9D28-EBC1FCD98ADB}" type="datetimeFigureOut">
               <a:rPr lang="ru-RU" smtClean="0"/>
               <a:pPr/>
-              <a:t>04.02.2026</a:t>
+              <a:t>06.02.2026</a:t>
             </a:fld>
             <a:endParaRPr lang="ru-RU"/>
           </a:p>
@@ -818,7 +818,7 @@
             <a:fld id="{BADC7417-EAE3-4D01-9D28-EBC1FCD98ADB}" type="datetimeFigureOut">
               <a:rPr lang="ru-RU" smtClean="0"/>
               <a:pPr/>
-              <a:t>04.02.2026</a:t>
+              <a:t>06.02.2026</a:t>
             </a:fld>
             <a:endParaRPr lang="ru-RU"/>
           </a:p>
@@ -1061,7 +1061,7 @@
             <a:fld id="{BADC7417-EAE3-4D01-9D28-EBC1FCD98ADB}" type="datetimeFigureOut">
               <a:rPr lang="ru-RU" smtClean="0"/>
               <a:pPr/>
-              <a:t>04.02.2026</a:t>
+              <a:t>06.02.2026</a:t>
             </a:fld>
             <a:endParaRPr lang="ru-RU"/>
           </a:p>
@@ -1346,7 +1346,7 @@
             <a:fld id="{BADC7417-EAE3-4D01-9D28-EBC1FCD98ADB}" type="datetimeFigureOut">
               <a:rPr lang="ru-RU" smtClean="0"/>
               <a:pPr/>
-              <a:t>04.02.2026</a:t>
+              <a:t>06.02.2026</a:t>
             </a:fld>
             <a:endParaRPr lang="ru-RU"/>
           </a:p>
@@ -1765,7 +1765,7 @@
             <a:fld id="{BADC7417-EAE3-4D01-9D28-EBC1FCD98ADB}" type="datetimeFigureOut">
               <a:rPr lang="ru-RU" smtClean="0"/>
               <a:pPr/>
-              <a:t>04.02.2026</a:t>
+              <a:t>06.02.2026</a:t>
             </a:fld>
             <a:endParaRPr lang="ru-RU"/>
           </a:p>
@@ -1880,7 +1880,7 @@
             <a:fld id="{BADC7417-EAE3-4D01-9D28-EBC1FCD98ADB}" type="datetimeFigureOut">
               <a:rPr lang="ru-RU" smtClean="0"/>
               <a:pPr/>
-              <a:t>04.02.2026</a:t>
+              <a:t>06.02.2026</a:t>
             </a:fld>
             <a:endParaRPr lang="ru-RU"/>
           </a:p>
@@ -1972,7 +1972,7 @@
             <a:fld id="{BADC7417-EAE3-4D01-9D28-EBC1FCD98ADB}" type="datetimeFigureOut">
               <a:rPr lang="ru-RU" smtClean="0"/>
               <a:pPr/>
-              <a:t>04.02.2026</a:t>
+              <a:t>06.02.2026</a:t>
             </a:fld>
             <a:endParaRPr lang="ru-RU"/>
           </a:p>
@@ -2246,7 +2246,7 @@
             <a:fld id="{BADC7417-EAE3-4D01-9D28-EBC1FCD98ADB}" type="datetimeFigureOut">
               <a:rPr lang="ru-RU" smtClean="0"/>
               <a:pPr/>
-              <a:t>04.02.2026</a:t>
+              <a:t>06.02.2026</a:t>
             </a:fld>
             <a:endParaRPr lang="ru-RU"/>
           </a:p>
@@ -2496,7 +2496,7 @@
             <a:fld id="{BADC7417-EAE3-4D01-9D28-EBC1FCD98ADB}" type="datetimeFigureOut">
               <a:rPr lang="ru-RU" smtClean="0"/>
               <a:pPr/>
-              <a:t>04.02.2026</a:t>
+              <a:t>06.02.2026</a:t>
             </a:fld>
             <a:endParaRPr lang="ru-RU"/>
           </a:p>
@@ -2706,7 +2706,7 @@
             <a:fld id="{BADC7417-EAE3-4D01-9D28-EBC1FCD98ADB}" type="datetimeFigureOut">
               <a:rPr lang="ru-RU" smtClean="0"/>
               <a:pPr/>
-              <a:t>04.02.2026</a:t>
+              <a:t>06.02.2026</a:t>
             </a:fld>
             <a:endParaRPr lang="ru-RU"/>
           </a:p>
@@ -8111,11 +8111,7 @@
             </a:r>
             <a:r>
               <a:rPr lang="ru-RU" sz="2000" dirty="0" smtClean="0"/>
-              <a:t> </a:t>
-            </a:r>
-            <a:r>
-              <a:rPr lang="ru-RU" sz="2000" dirty="0" smtClean="0"/>
-              <a:t>192.168.11.1</a:t>
+              <a:t> 192.168.11.1</a:t>
             </a:r>
             <a:endParaRPr lang="en-US" sz="2000" b="1" dirty="0"/>
           </a:p>
@@ -8875,7 +8871,7 @@
             </a:r>
             <a:r>
               <a:rPr lang="en-US" dirty="0" smtClean="0"/>
-              <a:t>led</a:t>
+              <a:t>led </a:t>
             </a:r>
             <a:r>
               <a:rPr lang="ru-RU" dirty="0" smtClean="0"/>
